--- a/doc/Projet3_McGyver_Oral.pptx
+++ b/doc/Projet3_McGyver_Oral.pptx
@@ -224,7 +224,7 @@
           <a:p>
             <a:fld id="{112819D6-9618-45CA-A4D0-F3F0B09DC02D}" type="datetimeFigureOut">
               <a:rPr lang="fr-FR" smtClean="0"/>
-              <a:t>05/11/2017</a:t>
+              <a:t>06/11/2017</a:t>
             </a:fld>
             <a:endParaRPr lang="fr-FR"/>
           </a:p>
@@ -707,7 +707,7 @@
           <a:p>
             <a:fld id="{79C2CD3C-23E9-4BF9-92A5-02D69918904F}" type="datetimeFigureOut">
               <a:rPr lang="fr-FR" smtClean="0"/>
-              <a:t>05/11/2017</a:t>
+              <a:t>06/11/2017</a:t>
             </a:fld>
             <a:endParaRPr lang="fr-FR"/>
           </a:p>
@@ -877,7 +877,7 @@
           <a:p>
             <a:fld id="{79C2CD3C-23E9-4BF9-92A5-02D69918904F}" type="datetimeFigureOut">
               <a:rPr lang="fr-FR" smtClean="0"/>
-              <a:t>05/11/2017</a:t>
+              <a:t>06/11/2017</a:t>
             </a:fld>
             <a:endParaRPr lang="fr-FR"/>
           </a:p>
@@ -1057,7 +1057,7 @@
           <a:p>
             <a:fld id="{79C2CD3C-23E9-4BF9-92A5-02D69918904F}" type="datetimeFigureOut">
               <a:rPr lang="fr-FR" smtClean="0"/>
-              <a:t>05/11/2017</a:t>
+              <a:t>06/11/2017</a:t>
             </a:fld>
             <a:endParaRPr lang="fr-FR"/>
           </a:p>
@@ -1227,7 +1227,7 @@
           <a:p>
             <a:fld id="{79C2CD3C-23E9-4BF9-92A5-02D69918904F}" type="datetimeFigureOut">
               <a:rPr lang="fr-FR" smtClean="0"/>
-              <a:t>05/11/2017</a:t>
+              <a:t>06/11/2017</a:t>
             </a:fld>
             <a:endParaRPr lang="fr-FR"/>
           </a:p>
@@ -1473,7 +1473,7 @@
           <a:p>
             <a:fld id="{79C2CD3C-23E9-4BF9-92A5-02D69918904F}" type="datetimeFigureOut">
               <a:rPr lang="fr-FR" smtClean="0"/>
-              <a:t>05/11/2017</a:t>
+              <a:t>06/11/2017</a:t>
             </a:fld>
             <a:endParaRPr lang="fr-FR"/>
           </a:p>
@@ -1705,7 +1705,7 @@
           <a:p>
             <a:fld id="{79C2CD3C-23E9-4BF9-92A5-02D69918904F}" type="datetimeFigureOut">
               <a:rPr lang="fr-FR" smtClean="0"/>
-              <a:t>05/11/2017</a:t>
+              <a:t>06/11/2017</a:t>
             </a:fld>
             <a:endParaRPr lang="fr-FR"/>
           </a:p>
@@ -2072,7 +2072,7 @@
           <a:p>
             <a:fld id="{79C2CD3C-23E9-4BF9-92A5-02D69918904F}" type="datetimeFigureOut">
               <a:rPr lang="fr-FR" smtClean="0"/>
-              <a:t>05/11/2017</a:t>
+              <a:t>06/11/2017</a:t>
             </a:fld>
             <a:endParaRPr lang="fr-FR"/>
           </a:p>
@@ -2190,7 +2190,7 @@
           <a:p>
             <a:fld id="{79C2CD3C-23E9-4BF9-92A5-02D69918904F}" type="datetimeFigureOut">
               <a:rPr lang="fr-FR" smtClean="0"/>
-              <a:t>05/11/2017</a:t>
+              <a:t>06/11/2017</a:t>
             </a:fld>
             <a:endParaRPr lang="fr-FR"/>
           </a:p>
@@ -2285,7 +2285,7 @@
           <a:p>
             <a:fld id="{79C2CD3C-23E9-4BF9-92A5-02D69918904F}" type="datetimeFigureOut">
               <a:rPr lang="fr-FR" smtClean="0"/>
-              <a:t>05/11/2017</a:t>
+              <a:t>06/11/2017</a:t>
             </a:fld>
             <a:endParaRPr lang="fr-FR"/>
           </a:p>
@@ -2562,7 +2562,7 @@
           <a:p>
             <a:fld id="{79C2CD3C-23E9-4BF9-92A5-02D69918904F}" type="datetimeFigureOut">
               <a:rPr lang="fr-FR" smtClean="0"/>
-              <a:t>05/11/2017</a:t>
+              <a:t>06/11/2017</a:t>
             </a:fld>
             <a:endParaRPr lang="fr-FR"/>
           </a:p>
@@ -2815,7 +2815,7 @@
           <a:p>
             <a:fld id="{79C2CD3C-23E9-4BF9-92A5-02D69918904F}" type="datetimeFigureOut">
               <a:rPr lang="fr-FR" smtClean="0"/>
-              <a:t>05/11/2017</a:t>
+              <a:t>06/11/2017</a:t>
             </a:fld>
             <a:endParaRPr lang="fr-FR"/>
           </a:p>
@@ -3028,7 +3028,7 @@
           <a:p>
             <a:fld id="{79C2CD3C-23E9-4BF9-92A5-02D69918904F}" type="datetimeFigureOut">
               <a:rPr lang="fr-FR" smtClean="0"/>
-              <a:t>05/11/2017</a:t>
+              <a:t>06/11/2017</a:t>
             </a:fld>
             <a:endParaRPr lang="fr-FR"/>
           </a:p>
@@ -4253,7 +4253,9 @@
             <a:r>
               <a:rPr lang="fr-FR" b="1" dirty="0" smtClean="0">
                 <a:solidFill>
-                  <a:schemeClr val="bg2"/>
+                  <a:schemeClr val="bg1">
+                    <a:lumMod val="85000"/>
+                  </a:schemeClr>
                 </a:solidFill>
                 <a:latin typeface="Segoe UI" panose="020B0502040204020203" pitchFamily="34" charset="0"/>
                 <a:ea typeface="Segoe UI" panose="020B0502040204020203" pitchFamily="34" charset="0"/>
@@ -4263,7 +4265,9 @@
             </a:r>
             <a:endParaRPr lang="fr-FR" b="1" dirty="0">
               <a:solidFill>
-                <a:schemeClr val="bg2"/>
+                <a:schemeClr val="bg1">
+                  <a:lumMod val="85000"/>
+                </a:schemeClr>
               </a:solidFill>
               <a:latin typeface="Segoe UI" panose="020B0502040204020203" pitchFamily="34" charset="0"/>
               <a:ea typeface="Segoe UI" panose="020B0502040204020203" pitchFamily="34" charset="0"/>
@@ -4489,7 +4493,9 @@
             <a:avLst/>
           </a:prstGeom>
           <a:solidFill>
-            <a:schemeClr val="bg2"/>
+            <a:schemeClr val="bg1">
+              <a:lumMod val="85000"/>
+            </a:schemeClr>
           </a:solidFill>
           <a:ln>
             <a:noFill/>
@@ -5254,7 +5260,9 @@
             <a:r>
               <a:rPr lang="fr-FR" b="1" dirty="0" smtClean="0">
                 <a:solidFill>
-                  <a:schemeClr val="bg2"/>
+                  <a:schemeClr val="bg1">
+                    <a:lumMod val="85000"/>
+                  </a:schemeClr>
                 </a:solidFill>
                 <a:latin typeface="Segoe UI" panose="020B0502040204020203" pitchFamily="34" charset="0"/>
                 <a:ea typeface="Segoe UI" panose="020B0502040204020203" pitchFamily="34" charset="0"/>
@@ -5264,7 +5272,9 @@
             </a:r>
             <a:endParaRPr lang="fr-FR" b="1" dirty="0">
               <a:solidFill>
-                <a:schemeClr val="bg2"/>
+                <a:schemeClr val="bg1">
+                  <a:lumMod val="85000"/>
+                </a:schemeClr>
               </a:solidFill>
               <a:latin typeface="Segoe UI" panose="020B0502040204020203" pitchFamily="34" charset="0"/>
               <a:ea typeface="Segoe UI" panose="020B0502040204020203" pitchFamily="34" charset="0"/>
@@ -5490,7 +5500,9 @@
             <a:avLst/>
           </a:prstGeom>
           <a:solidFill>
-            <a:schemeClr val="bg2"/>
+            <a:schemeClr val="bg1">
+              <a:lumMod val="85000"/>
+            </a:schemeClr>
           </a:solidFill>
           <a:ln>
             <a:noFill/>
@@ -5573,13 +5585,7 @@
               <a:rPr lang="fr-FR" b="1" dirty="0" smtClean="0">
                 <a:latin typeface="Akzidenz-Grotesk BQ" pitchFamily="50" charset="0"/>
               </a:rPr>
-              <a:t>Analys</a:t>
-            </a:r>
-            <a:r>
-              <a:rPr lang="fr-FR" b="1" dirty="0" smtClean="0">
-                <a:latin typeface="Akzidenz-Grotesk BQ" pitchFamily="50" charset="0"/>
-              </a:rPr>
-              <a:t>e de la structure du programme</a:t>
+              <a:t>Analyse de la structure du programme</a:t>
             </a:r>
             <a:endParaRPr lang="fr-FR" b="1" dirty="0">
               <a:latin typeface="Akzidenz-Grotesk BQ" pitchFamily="50" charset="0"/>
@@ -9031,7 +9037,9 @@
             <a:r>
               <a:rPr lang="fr-FR" b="1" dirty="0" smtClean="0">
                 <a:solidFill>
-                  <a:schemeClr val="bg2"/>
+                  <a:schemeClr val="bg1">
+                    <a:lumMod val="85000"/>
+                  </a:schemeClr>
                 </a:solidFill>
                 <a:latin typeface="Segoe UI" panose="020B0502040204020203" pitchFamily="34" charset="0"/>
                 <a:ea typeface="Segoe UI" panose="020B0502040204020203" pitchFamily="34" charset="0"/>
@@ -9041,7 +9049,9 @@
             </a:r>
             <a:endParaRPr lang="fr-FR" b="1" dirty="0">
               <a:solidFill>
-                <a:schemeClr val="bg2"/>
+                <a:schemeClr val="bg1">
+                  <a:lumMod val="85000"/>
+                </a:schemeClr>
               </a:solidFill>
               <a:latin typeface="Segoe UI" panose="020B0502040204020203" pitchFamily="34" charset="0"/>
               <a:ea typeface="Segoe UI" panose="020B0502040204020203" pitchFamily="34" charset="0"/>
@@ -9267,7 +9277,9 @@
             <a:avLst/>
           </a:prstGeom>
           <a:solidFill>
-            <a:schemeClr val="bg2"/>
+            <a:schemeClr val="bg1">
+              <a:lumMod val="85000"/>
+            </a:schemeClr>
           </a:solidFill>
           <a:ln>
             <a:noFill/>
@@ -11333,7 +11345,9 @@
             <a:r>
               <a:rPr lang="fr-FR" b="1" dirty="0" smtClean="0">
                 <a:solidFill>
-                  <a:schemeClr val="bg2"/>
+                  <a:schemeClr val="bg1">
+                    <a:lumMod val="85000"/>
+                  </a:schemeClr>
                 </a:solidFill>
                 <a:latin typeface="Segoe UI" panose="020B0502040204020203" pitchFamily="34" charset="0"/>
                 <a:ea typeface="Segoe UI" panose="020B0502040204020203" pitchFamily="34" charset="0"/>
@@ -11343,7 +11357,9 @@
             </a:r>
             <a:endParaRPr lang="fr-FR" b="1" dirty="0">
               <a:solidFill>
-                <a:schemeClr val="bg2"/>
+                <a:schemeClr val="bg1">
+                  <a:lumMod val="85000"/>
+                </a:schemeClr>
               </a:solidFill>
               <a:latin typeface="Segoe UI" panose="020B0502040204020203" pitchFamily="34" charset="0"/>
               <a:ea typeface="Segoe UI" panose="020B0502040204020203" pitchFamily="34" charset="0"/>
@@ -11569,7 +11585,9 @@
             <a:avLst/>
           </a:prstGeom>
           <a:solidFill>
-            <a:schemeClr val="bg2"/>
+            <a:schemeClr val="bg1">
+              <a:lumMod val="85000"/>
+            </a:schemeClr>
           </a:solidFill>
           <a:ln>
             <a:noFill/>
@@ -11697,7 +11715,6 @@
               <a:rPr lang="fr-FR" sz="2800" dirty="0" smtClean="0"/>
               <a:t>, intégrant un linter PEP8</a:t>
             </a:r>
-            <a:endParaRPr lang="fr-FR" sz="2800" dirty="0" smtClean="0"/>
           </a:p>
         </p:txBody>
       </p:sp>
@@ -12060,7 +12077,9 @@
             <a:r>
               <a:rPr lang="fr-FR" b="1" dirty="0" smtClean="0">
                 <a:solidFill>
-                  <a:schemeClr val="bg2"/>
+                  <a:schemeClr val="bg1">
+                    <a:lumMod val="85000"/>
+                  </a:schemeClr>
                 </a:solidFill>
                 <a:latin typeface="Segoe UI" panose="020B0502040204020203" pitchFamily="34" charset="0"/>
                 <a:ea typeface="Segoe UI" panose="020B0502040204020203" pitchFamily="34" charset="0"/>
@@ -12070,7 +12089,9 @@
             </a:r>
             <a:endParaRPr lang="fr-FR" b="1" dirty="0">
               <a:solidFill>
-                <a:schemeClr val="bg2"/>
+                <a:schemeClr val="bg1">
+                  <a:lumMod val="85000"/>
+                </a:schemeClr>
               </a:solidFill>
               <a:latin typeface="Segoe UI" panose="020B0502040204020203" pitchFamily="34" charset="0"/>
               <a:ea typeface="Segoe UI" panose="020B0502040204020203" pitchFamily="34" charset="0"/>
@@ -12296,7 +12317,9 @@
             <a:avLst/>
           </a:prstGeom>
           <a:solidFill>
-            <a:schemeClr val="bg2"/>
+            <a:schemeClr val="bg1">
+              <a:lumMod val="85000"/>
+            </a:schemeClr>
           </a:solidFill>
           <a:ln>
             <a:noFill/>
@@ -12733,7 +12756,9 @@
             <a:r>
               <a:rPr lang="fr-FR" b="1" dirty="0" smtClean="0">
                 <a:solidFill>
-                  <a:schemeClr val="bg2"/>
+                  <a:schemeClr val="bg1">
+                    <a:lumMod val="85000"/>
+                  </a:schemeClr>
                 </a:solidFill>
                 <a:latin typeface="Segoe UI" panose="020B0502040204020203" pitchFamily="34" charset="0"/>
                 <a:ea typeface="Segoe UI" panose="020B0502040204020203" pitchFamily="34" charset="0"/>
@@ -12743,7 +12768,9 @@
             </a:r>
             <a:endParaRPr lang="fr-FR" b="1" dirty="0">
               <a:solidFill>
-                <a:schemeClr val="bg2"/>
+                <a:schemeClr val="bg1">
+                  <a:lumMod val="85000"/>
+                </a:schemeClr>
               </a:solidFill>
               <a:latin typeface="Segoe UI" panose="020B0502040204020203" pitchFamily="34" charset="0"/>
               <a:ea typeface="Segoe UI" panose="020B0502040204020203" pitchFamily="34" charset="0"/>
@@ -12969,7 +12996,9 @@
             <a:avLst/>
           </a:prstGeom>
           <a:solidFill>
-            <a:schemeClr val="bg2"/>
+            <a:schemeClr val="bg1">
+              <a:lumMod val="85000"/>
+            </a:schemeClr>
           </a:solidFill>
           <a:ln>
             <a:noFill/>
@@ -13447,7 +13476,9 @@
             <a:r>
               <a:rPr lang="fr-FR" b="1" dirty="0" smtClean="0">
                 <a:solidFill>
-                  <a:schemeClr val="bg2"/>
+                  <a:schemeClr val="bg1">
+                    <a:lumMod val="85000"/>
+                  </a:schemeClr>
                 </a:solidFill>
                 <a:latin typeface="Segoe UI" panose="020B0502040204020203" pitchFamily="34" charset="0"/>
                 <a:ea typeface="Segoe UI" panose="020B0502040204020203" pitchFamily="34" charset="0"/>
@@ -13457,7 +13488,9 @@
             </a:r>
             <a:endParaRPr lang="fr-FR" b="1" dirty="0">
               <a:solidFill>
-                <a:schemeClr val="bg2"/>
+                <a:schemeClr val="bg1">
+                  <a:lumMod val="85000"/>
+                </a:schemeClr>
               </a:solidFill>
               <a:latin typeface="Segoe UI" panose="020B0502040204020203" pitchFamily="34" charset="0"/>
               <a:ea typeface="Segoe UI" panose="020B0502040204020203" pitchFamily="34" charset="0"/>
@@ -13683,7 +13716,9 @@
             <a:avLst/>
           </a:prstGeom>
           <a:solidFill>
-            <a:schemeClr val="bg2"/>
+            <a:schemeClr val="bg1">
+              <a:lumMod val="85000"/>
+            </a:schemeClr>
           </a:solidFill>
           <a:ln>
             <a:noFill/>

--- a/doc/Projet3_McGyver_Oral.pptx
+++ b/doc/Projet3_McGyver_Oral.pptx
@@ -10,8 +10,8 @@
   <p:sldIdLst>
     <p:sldId id="256" r:id="rId2"/>
     <p:sldId id="257" r:id="rId3"/>
-    <p:sldId id="260" r:id="rId4"/>
-    <p:sldId id="261" r:id="rId5"/>
+    <p:sldId id="261" r:id="rId4"/>
+    <p:sldId id="260" r:id="rId5"/>
     <p:sldId id="262" r:id="rId6"/>
     <p:sldId id="263" r:id="rId7"/>
     <p:sldId id="258" r:id="rId8"/>
@@ -224,7 +224,7 @@
           <a:p>
             <a:fld id="{112819D6-9618-45CA-A4D0-F3F0B09DC02D}" type="datetimeFigureOut">
               <a:rPr lang="fr-FR" smtClean="0"/>
-              <a:t>06/11/2017</a:t>
+              <a:t>12/11/2017</a:t>
             </a:fld>
             <a:endParaRPr lang="fr-FR"/>
           </a:p>
@@ -707,7 +707,7 @@
           <a:p>
             <a:fld id="{79C2CD3C-23E9-4BF9-92A5-02D69918904F}" type="datetimeFigureOut">
               <a:rPr lang="fr-FR" smtClean="0"/>
-              <a:t>06/11/2017</a:t>
+              <a:t>12/11/2017</a:t>
             </a:fld>
             <a:endParaRPr lang="fr-FR"/>
           </a:p>
@@ -877,7 +877,7 @@
           <a:p>
             <a:fld id="{79C2CD3C-23E9-4BF9-92A5-02D69918904F}" type="datetimeFigureOut">
               <a:rPr lang="fr-FR" smtClean="0"/>
-              <a:t>06/11/2017</a:t>
+              <a:t>12/11/2017</a:t>
             </a:fld>
             <a:endParaRPr lang="fr-FR"/>
           </a:p>
@@ -1057,7 +1057,7 @@
           <a:p>
             <a:fld id="{79C2CD3C-23E9-4BF9-92A5-02D69918904F}" type="datetimeFigureOut">
               <a:rPr lang="fr-FR" smtClean="0"/>
-              <a:t>06/11/2017</a:t>
+              <a:t>12/11/2017</a:t>
             </a:fld>
             <a:endParaRPr lang="fr-FR"/>
           </a:p>
@@ -1227,7 +1227,7 @@
           <a:p>
             <a:fld id="{79C2CD3C-23E9-4BF9-92A5-02D69918904F}" type="datetimeFigureOut">
               <a:rPr lang="fr-FR" smtClean="0"/>
-              <a:t>06/11/2017</a:t>
+              <a:t>12/11/2017</a:t>
             </a:fld>
             <a:endParaRPr lang="fr-FR"/>
           </a:p>
@@ -1473,7 +1473,7 @@
           <a:p>
             <a:fld id="{79C2CD3C-23E9-4BF9-92A5-02D69918904F}" type="datetimeFigureOut">
               <a:rPr lang="fr-FR" smtClean="0"/>
-              <a:t>06/11/2017</a:t>
+              <a:t>12/11/2017</a:t>
             </a:fld>
             <a:endParaRPr lang="fr-FR"/>
           </a:p>
@@ -1705,7 +1705,7 @@
           <a:p>
             <a:fld id="{79C2CD3C-23E9-4BF9-92A5-02D69918904F}" type="datetimeFigureOut">
               <a:rPr lang="fr-FR" smtClean="0"/>
-              <a:t>06/11/2017</a:t>
+              <a:t>12/11/2017</a:t>
             </a:fld>
             <a:endParaRPr lang="fr-FR"/>
           </a:p>
@@ -2072,7 +2072,7 @@
           <a:p>
             <a:fld id="{79C2CD3C-23E9-4BF9-92A5-02D69918904F}" type="datetimeFigureOut">
               <a:rPr lang="fr-FR" smtClean="0"/>
-              <a:t>06/11/2017</a:t>
+              <a:t>12/11/2017</a:t>
             </a:fld>
             <a:endParaRPr lang="fr-FR"/>
           </a:p>
@@ -2190,7 +2190,7 @@
           <a:p>
             <a:fld id="{79C2CD3C-23E9-4BF9-92A5-02D69918904F}" type="datetimeFigureOut">
               <a:rPr lang="fr-FR" smtClean="0"/>
-              <a:t>06/11/2017</a:t>
+              <a:t>12/11/2017</a:t>
             </a:fld>
             <a:endParaRPr lang="fr-FR"/>
           </a:p>
@@ -2285,7 +2285,7 @@
           <a:p>
             <a:fld id="{79C2CD3C-23E9-4BF9-92A5-02D69918904F}" type="datetimeFigureOut">
               <a:rPr lang="fr-FR" smtClean="0"/>
-              <a:t>06/11/2017</a:t>
+              <a:t>12/11/2017</a:t>
             </a:fld>
             <a:endParaRPr lang="fr-FR"/>
           </a:p>
@@ -2562,7 +2562,7 @@
           <a:p>
             <a:fld id="{79C2CD3C-23E9-4BF9-92A5-02D69918904F}" type="datetimeFigureOut">
               <a:rPr lang="fr-FR" smtClean="0"/>
-              <a:t>06/11/2017</a:t>
+              <a:t>12/11/2017</a:t>
             </a:fld>
             <a:endParaRPr lang="fr-FR"/>
           </a:p>
@@ -2815,7 +2815,7 @@
           <a:p>
             <a:fld id="{79C2CD3C-23E9-4BF9-92A5-02D69918904F}" type="datetimeFigureOut">
               <a:rPr lang="fr-FR" smtClean="0"/>
-              <a:t>06/11/2017</a:t>
+              <a:t>12/11/2017</a:t>
             </a:fld>
             <a:endParaRPr lang="fr-FR"/>
           </a:p>
@@ -3028,7 +3028,7 @@
           <a:p>
             <a:fld id="{79C2CD3C-23E9-4BF9-92A5-02D69918904F}" type="datetimeFigureOut">
               <a:rPr lang="fr-FR" smtClean="0"/>
-              <a:t>06/11/2017</a:t>
+              <a:t>12/11/2017</a:t>
             </a:fld>
             <a:endParaRPr lang="fr-FR"/>
           </a:p>
@@ -5033,6 +5033,150 @@
       </p:grpSpPr>
       <p:sp>
         <p:nvSpPr>
+          <p:cNvPr id="80" name="Rectangle 79"/>
+          <p:cNvSpPr/>
+          <p:nvPr/>
+        </p:nvSpPr>
+        <p:spPr>
+          <a:xfrm>
+            <a:off x="1553633" y="2673406"/>
+            <a:ext cx="9844275" cy="3005951"/>
+          </a:xfrm>
+          <a:prstGeom prst="rect">
+            <a:avLst/>
+          </a:prstGeom>
+        </p:spPr>
+        <p:txBody>
+          <a:bodyPr wrap="square">
+            <a:spAutoFit/>
+          </a:bodyPr>
+          <a:lstStyle/>
+          <a:p>
+            <a:r>
+              <a:rPr lang="fr-FR" sz="3200" b="1" baseline="30000" dirty="0" smtClean="0">
+                <a:solidFill>
+                  <a:srgbClr val="000000"/>
+                </a:solidFill>
+                <a:latin typeface="Helvetica LT Std" panose="020B0504020202020204" pitchFamily="34" charset="0"/>
+              </a:rPr>
+              <a:t>Structure à orientation MVC</a:t>
+            </a:r>
+          </a:p>
+          <a:p>
+            <a:pPr marL="285750" indent="-285750">
+              <a:buFont typeface="Arial" panose="020B0604020202020204" pitchFamily="34" charset="0"/>
+              <a:buChar char="•"/>
+            </a:pPr>
+            <a:r>
+              <a:rPr lang="fr-FR" sz="2800" b="1" dirty="0" err="1"/>
+              <a:t>core</a:t>
+            </a:r>
+            <a:r>
+              <a:rPr lang="fr-FR" sz="2800" dirty="0"/>
+              <a:t> : classes des éléments du jeu (</a:t>
+            </a:r>
+            <a:r>
+              <a:rPr lang="fr-FR" sz="2800" dirty="0" err="1"/>
+              <a:t>Level</a:t>
+            </a:r>
+            <a:r>
+              <a:rPr lang="fr-FR" sz="2800" dirty="0"/>
+              <a:t>, Item, </a:t>
+            </a:r>
+            <a:r>
+              <a:rPr lang="fr-FR" sz="2800" dirty="0" err="1"/>
+              <a:t>GamePersona</a:t>
+            </a:r>
+            <a:r>
+              <a:rPr lang="fr-FR" sz="2800" dirty="0"/>
+              <a:t>, NPC, </a:t>
+            </a:r>
+            <a:r>
+              <a:rPr lang="fr-FR" sz="2800" dirty="0" err="1"/>
+              <a:t>Character</a:t>
+            </a:r>
+            <a:r>
+              <a:rPr lang="fr-FR" sz="2800" dirty="0"/>
+              <a:t> Inventory, Images)</a:t>
+            </a:r>
+          </a:p>
+          <a:p>
+            <a:pPr marL="285750" indent="-285750">
+              <a:buFont typeface="Arial" panose="020B0604020202020204" pitchFamily="34" charset="0"/>
+              <a:buChar char="•"/>
+            </a:pPr>
+            <a:r>
+              <a:rPr lang="fr-FR" sz="2800" b="1" dirty="0" err="1"/>
+              <a:t>game_settings</a:t>
+            </a:r>
+            <a:r>
+              <a:rPr lang="fr-FR" sz="2800" dirty="0"/>
+              <a:t> : constantes du jeu</a:t>
+            </a:r>
+          </a:p>
+          <a:p>
+            <a:pPr marL="285750" indent="-285750">
+              <a:buFont typeface="Arial" panose="020B0604020202020204" pitchFamily="34" charset="0"/>
+              <a:buChar char="•"/>
+            </a:pPr>
+            <a:r>
+              <a:rPr lang="fr-FR" sz="2800" b="1" dirty="0" err="1"/>
+              <a:t>views</a:t>
+            </a:r>
+            <a:r>
+              <a:rPr lang="fr-FR" sz="2800" dirty="0"/>
+              <a:t> : affichage des éléments à l’écran</a:t>
+            </a:r>
+          </a:p>
+          <a:p>
+            <a:pPr marL="285750" indent="-285750">
+              <a:buFont typeface="Arial" panose="020B0604020202020204" pitchFamily="34" charset="0"/>
+              <a:buChar char="•"/>
+            </a:pPr>
+            <a:r>
+              <a:rPr lang="fr-FR" sz="2800" b="1" dirty="0"/>
+              <a:t>exceptions</a:t>
+            </a:r>
+            <a:r>
+              <a:rPr lang="fr-FR" sz="2800" dirty="0"/>
+              <a:t> : gérer des </a:t>
+            </a:r>
+            <a:r>
+              <a:rPr lang="fr-FR" sz="2800" dirty="0" err="1"/>
+              <a:t>exceptioprogrammens</a:t>
+            </a:r>
+            <a:r>
+              <a:rPr lang="fr-FR" sz="2800" dirty="0"/>
+              <a:t> </a:t>
+            </a:r>
+            <a:r>
+              <a:rPr lang="fr-FR" sz="2800" dirty="0"/>
+              <a:t>personnalisées</a:t>
+            </a:r>
+          </a:p>
+          <a:p>
+            <a:pPr marL="285750" indent="-285750">
+              <a:buFont typeface="Arial" panose="020B0604020202020204" pitchFamily="34" charset="0"/>
+              <a:buChar char="•"/>
+            </a:pPr>
+            <a:r>
+              <a:rPr lang="fr-FR" sz="2800" b="1" dirty="0"/>
+              <a:t>main</a:t>
+            </a:r>
+            <a:r>
+              <a:rPr lang="fr-FR" sz="2800" dirty="0"/>
+              <a:t> : boucle principale </a:t>
+            </a:r>
+            <a:r>
+              <a:rPr lang="fr-FR" sz="2800" dirty="0" smtClean="0"/>
+              <a:t>du</a:t>
+            </a:r>
+            <a:endParaRPr lang="fr-FR" sz="2800" dirty="0"/>
+          </a:p>
+        </p:txBody>
+      </p:sp>
+      <p:sp>
+        <p:nvSpPr>
           <p:cNvPr id="76" name="Rectangle 75"/>
           <p:cNvSpPr/>
           <p:nvPr/>
@@ -6440,16 +6584,10 @@
           <a:p>
             <a:pPr algn="ctr"/>
             <a:r>
-              <a:rPr lang="fr-FR" sz="1600" dirty="0" err="1" smtClean="0">
-                <a:latin typeface="Bebas Neue" panose="020B0606020202050201" pitchFamily="34" charset="0"/>
-              </a:rPr>
-              <a:t>Dsiplay</a:t>
-            </a:r>
-            <a:r>
               <a:rPr lang="fr-FR" sz="1600" dirty="0" smtClean="0">
                 <a:latin typeface="Bebas Neue" panose="020B0606020202050201" pitchFamily="34" charset="0"/>
               </a:rPr>
-              <a:t> </a:t>
+              <a:t>Display </a:t>
             </a:r>
             <a:r>
               <a:rPr lang="fr-FR" sz="1600" dirty="0" err="1" smtClean="0">
@@ -7067,130 +7205,176 @@
           </a:p>
         </p:txBody>
       </p:sp>
-      <p:sp>
-        <p:nvSpPr>
-          <p:cNvPr id="80" name="Rectangle 79"/>
+      <p:cxnSp>
+        <p:nvCxnSpPr>
+          <p:cNvPr id="16" name="Connecteur droit 15"/>
+          <p:cNvCxnSpPr/>
+          <p:nvPr/>
+        </p:nvCxnSpPr>
+        <p:spPr>
+          <a:xfrm flipH="1" flipV="1">
+            <a:off x="203" y="5977557"/>
+            <a:ext cx="6119398" cy="6229"/>
+          </a:xfrm>
+          <a:prstGeom prst="line">
+            <a:avLst/>
+          </a:prstGeom>
+          <a:ln w="28575">
+            <a:solidFill>
+              <a:schemeClr val="tx1"/>
+            </a:solidFill>
+          </a:ln>
+        </p:spPr>
+        <p:style>
+          <a:lnRef idx="1">
+            <a:schemeClr val="accent1"/>
+          </a:lnRef>
+          <a:fillRef idx="0">
+            <a:schemeClr val="accent1"/>
+          </a:fillRef>
+          <a:effectRef idx="0">
+            <a:schemeClr val="accent1"/>
+          </a:effectRef>
+          <a:fontRef idx="minor">
+            <a:schemeClr val="tx1"/>
+          </a:fontRef>
+        </p:style>
+      </p:cxnSp>
+      <p:cxnSp>
+        <p:nvCxnSpPr>
+          <p:cNvPr id="18" name="Connecteur droit 17"/>
+          <p:cNvCxnSpPr/>
+          <p:nvPr/>
+        </p:nvCxnSpPr>
+        <p:spPr>
+          <a:xfrm>
+            <a:off x="5104400" y="3740030"/>
+            <a:ext cx="0" cy="1102903"/>
+          </a:xfrm>
+          <a:prstGeom prst="line">
+            <a:avLst/>
+          </a:prstGeom>
+          <a:ln w="28575">
+            <a:solidFill>
+              <a:schemeClr val="tx1"/>
+            </a:solidFill>
+          </a:ln>
+        </p:spPr>
+        <p:style>
+          <a:lnRef idx="1">
+            <a:schemeClr val="accent1"/>
+          </a:lnRef>
+          <a:fillRef idx="0">
+            <a:schemeClr val="accent1"/>
+          </a:fillRef>
+          <a:effectRef idx="0">
+            <a:schemeClr val="accent1"/>
+          </a:effectRef>
+          <a:fontRef idx="minor">
+            <a:schemeClr val="tx1"/>
+          </a:fontRef>
+        </p:style>
+      </p:cxnSp>
+      <p:cxnSp>
+        <p:nvCxnSpPr>
+          <p:cNvPr id="21" name="Connecteur droit 20"/>
+          <p:cNvCxnSpPr/>
+          <p:nvPr/>
+        </p:nvCxnSpPr>
+        <p:spPr>
+          <a:xfrm flipH="1">
+            <a:off x="0" y="4859867"/>
+            <a:ext cx="5104400" cy="0"/>
+          </a:xfrm>
+          <a:prstGeom prst="line">
+            <a:avLst/>
+          </a:prstGeom>
+          <a:ln w="28575">
+            <a:solidFill>
+              <a:schemeClr val="tx1"/>
+            </a:solidFill>
+          </a:ln>
+        </p:spPr>
+        <p:style>
+          <a:lnRef idx="1">
+            <a:schemeClr val="accent1"/>
+          </a:lnRef>
+          <a:fillRef idx="0">
+            <a:schemeClr val="accent1"/>
+          </a:fillRef>
+          <a:effectRef idx="0">
+            <a:schemeClr val="accent1"/>
+          </a:effectRef>
+          <a:fontRef idx="minor">
+            <a:schemeClr val="tx1"/>
+          </a:fontRef>
+        </p:style>
+      </p:cxnSp>
+      <p:sp>
+        <p:nvSpPr>
+          <p:cNvPr id="49" name="Rectangle 48"/>
           <p:cNvSpPr/>
           <p:nvPr/>
         </p:nvSpPr>
         <p:spPr>
           <a:xfrm>
-            <a:off x="1553633" y="2673406"/>
-            <a:ext cx="9844275" cy="3005951"/>
+            <a:off x="154925" y="4462024"/>
+            <a:ext cx="665568" cy="369332"/>
           </a:xfrm>
           <a:prstGeom prst="rect">
             <a:avLst/>
           </a:prstGeom>
         </p:spPr>
         <p:txBody>
-          <a:bodyPr wrap="square">
+          <a:bodyPr wrap="none">
             <a:spAutoFit/>
           </a:bodyPr>
           <a:lstStyle/>
           <a:p>
-            <a:r>
-              <a:rPr lang="fr-FR" sz="3200" b="1" baseline="30000" dirty="0" smtClean="0">
-                <a:solidFill>
-                  <a:srgbClr val="000000"/>
-                </a:solidFill>
-                <a:latin typeface="Helvetica LT Std" panose="020B0504020202020204" pitchFamily="34" charset="0"/>
+            <a:pPr algn="ctr"/>
+            <a:r>
+              <a:rPr lang="fr-FR" dirty="0" smtClean="0">
+                <a:latin typeface="Bebas Neue" panose="020B0606020202050201" pitchFamily="34" charset="0"/>
               </a:rPr>
-              <a:t>Structure à orientation MVC</a:t>
-            </a:r>
-          </a:p>
-          <a:p>
-            <a:pPr marL="285750" indent="-285750">
-              <a:buFont typeface="Arial" panose="020B0604020202020204" pitchFamily="34" charset="0"/>
-              <a:buChar char="•"/>
-            </a:pPr>
-            <a:r>
-              <a:rPr lang="fr-FR" sz="2800" b="1" dirty="0" err="1"/>
-              <a:t>core</a:t>
-            </a:r>
-            <a:r>
-              <a:rPr lang="fr-FR" sz="2800" dirty="0"/>
-              <a:t> : classes des éléments du jeu (</a:t>
-            </a:r>
-            <a:r>
-              <a:rPr lang="fr-FR" sz="2800" dirty="0" err="1"/>
-              <a:t>Level</a:t>
-            </a:r>
-            <a:r>
-              <a:rPr lang="fr-FR" sz="2800" dirty="0"/>
-              <a:t>, Item, </a:t>
-            </a:r>
-            <a:r>
-              <a:rPr lang="fr-FR" sz="2800" dirty="0" err="1"/>
-              <a:t>GamePersona</a:t>
-            </a:r>
-            <a:r>
-              <a:rPr lang="fr-FR" sz="2800" dirty="0"/>
-              <a:t>, NPC, </a:t>
-            </a:r>
-            <a:r>
-              <a:rPr lang="fr-FR" sz="2800" dirty="0" err="1"/>
-              <a:t>Character</a:t>
-            </a:r>
-            <a:r>
-              <a:rPr lang="fr-FR" sz="2800" dirty="0"/>
-              <a:t> Inventory, Images)</a:t>
-            </a:r>
-          </a:p>
-          <a:p>
-            <a:pPr marL="285750" indent="-285750">
-              <a:buFont typeface="Arial" panose="020B0604020202020204" pitchFamily="34" charset="0"/>
-              <a:buChar char="•"/>
-            </a:pPr>
-            <a:r>
-              <a:rPr lang="fr-FR" sz="2800" b="1" dirty="0" err="1"/>
-              <a:t>game_settings</a:t>
-            </a:r>
-            <a:r>
-              <a:rPr lang="fr-FR" sz="2800" dirty="0"/>
-              <a:t> : constantes du jeu</a:t>
-            </a:r>
-          </a:p>
-          <a:p>
-            <a:pPr marL="285750" indent="-285750">
-              <a:buFont typeface="Arial" panose="020B0604020202020204" pitchFamily="34" charset="0"/>
-              <a:buChar char="•"/>
-            </a:pPr>
-            <a:r>
-              <a:rPr lang="fr-FR" sz="2800" b="1" dirty="0" err="1"/>
-              <a:t>views</a:t>
-            </a:r>
-            <a:r>
-              <a:rPr lang="fr-FR" sz="2800" dirty="0"/>
-              <a:t> : affichage des éléments à l’écran</a:t>
-            </a:r>
-          </a:p>
-          <a:p>
-            <a:pPr marL="285750" indent="-285750">
-              <a:buFont typeface="Arial" panose="020B0604020202020204" pitchFamily="34" charset="0"/>
-              <a:buChar char="•"/>
-            </a:pPr>
-            <a:r>
-              <a:rPr lang="fr-FR" sz="2800" b="1" dirty="0"/>
-              <a:t>exceptions</a:t>
-            </a:r>
-            <a:r>
-              <a:rPr lang="fr-FR" sz="2800" dirty="0"/>
-              <a:t> : gérer des exceptions personnalisées</a:t>
-            </a:r>
-          </a:p>
-          <a:p>
-            <a:pPr marL="285750" indent="-285750">
-              <a:buFont typeface="Arial" panose="020B0604020202020204" pitchFamily="34" charset="0"/>
-              <a:buChar char="•"/>
-            </a:pPr>
-            <a:r>
-              <a:rPr lang="fr-FR" sz="2800" b="1" dirty="0"/>
-              <a:t>main</a:t>
-            </a:r>
-            <a:r>
-              <a:rPr lang="fr-FR" sz="2800" dirty="0"/>
-              <a:t> : boucle principale du programme</a:t>
-            </a:r>
+              <a:t>Sortie</a:t>
+            </a:r>
+            <a:endParaRPr lang="fr-FR" dirty="0">
+              <a:latin typeface="Bebas Neue" panose="020B0606020202050201" pitchFamily="34" charset="0"/>
+            </a:endParaRPr>
+          </a:p>
+        </p:txBody>
+      </p:sp>
+      <p:sp>
+        <p:nvSpPr>
+          <p:cNvPr id="50" name="Rectangle 49"/>
+          <p:cNvSpPr/>
+          <p:nvPr/>
+        </p:nvSpPr>
+        <p:spPr>
+          <a:xfrm>
+            <a:off x="154926" y="5577355"/>
+            <a:ext cx="665568" cy="369332"/>
+          </a:xfrm>
+          <a:prstGeom prst="rect">
+            <a:avLst/>
+          </a:prstGeom>
+        </p:spPr>
+        <p:txBody>
+          <a:bodyPr wrap="none">
+            <a:spAutoFit/>
+          </a:bodyPr>
+          <a:lstStyle/>
+          <a:p>
+            <a:pPr algn="ctr"/>
+            <a:r>
+              <a:rPr lang="fr-FR" dirty="0" smtClean="0">
+                <a:latin typeface="Bebas Neue" panose="020B0606020202050201" pitchFamily="34" charset="0"/>
+              </a:rPr>
+              <a:t>Sortie</a:t>
+            </a:r>
+            <a:endParaRPr lang="fr-FR" dirty="0">
+              <a:latin typeface="Bebas Neue" panose="020B0606020202050201" pitchFamily="34" charset="0"/>
+            </a:endParaRPr>
           </a:p>
         </p:txBody>
       </p:sp>
@@ -8059,7 +8243,7 @@
                                           </p:stCondLst>
                                         </p:cTn>
                                         <p:tgtEl>
-                                          <p:spTgt spid="55"/>
+                                          <p:spTgt spid="18"/>
                                         </p:tgtEl>
                                         <p:attrNameLst>
                                           <p:attrName>style.visibility</p:attrName>
@@ -8073,6 +8257,129 @@
                                       <p:cBhvr>
                                         <p:cTn id="80" dur="500"/>
                                         <p:tgtEl>
+                                          <p:spTgt spid="18"/>
+                                        </p:tgtEl>
+                                      </p:cBhvr>
+                                    </p:animEffect>
+                                  </p:childTnLst>
+                                </p:cTn>
+                              </p:par>
+                              <p:par>
+                                <p:cTn id="81" presetID="10" presetClass="entr" presetSubtype="0" fill="hold" nodeType="withEffect">
+                                  <p:stCondLst>
+                                    <p:cond delay="0"/>
+                                  </p:stCondLst>
+                                  <p:childTnLst>
+                                    <p:set>
+                                      <p:cBhvr>
+                                        <p:cTn id="82" dur="1" fill="hold">
+                                          <p:stCondLst>
+                                            <p:cond delay="0"/>
+                                          </p:stCondLst>
+                                        </p:cTn>
+                                        <p:tgtEl>
+                                          <p:spTgt spid="21"/>
+                                        </p:tgtEl>
+                                        <p:attrNameLst>
+                                          <p:attrName>style.visibility</p:attrName>
+                                        </p:attrNameLst>
+                                      </p:cBhvr>
+                                      <p:to>
+                                        <p:strVal val="visible"/>
+                                      </p:to>
+                                    </p:set>
+                                    <p:animEffect transition="in" filter="fade">
+                                      <p:cBhvr>
+                                        <p:cTn id="83" dur="500"/>
+                                        <p:tgtEl>
+                                          <p:spTgt spid="21"/>
+                                        </p:tgtEl>
+                                      </p:cBhvr>
+                                    </p:animEffect>
+                                  </p:childTnLst>
+                                </p:cTn>
+                              </p:par>
+                              <p:par>
+                                <p:cTn id="84" presetID="10" presetClass="entr" presetSubtype="0" fill="hold" grpId="0" nodeType="withEffect">
+                                  <p:stCondLst>
+                                    <p:cond delay="0"/>
+                                  </p:stCondLst>
+                                  <p:childTnLst>
+                                    <p:set>
+                                      <p:cBhvr>
+                                        <p:cTn id="85" dur="1" fill="hold">
+                                          <p:stCondLst>
+                                            <p:cond delay="0"/>
+                                          </p:stCondLst>
+                                        </p:cTn>
+                                        <p:tgtEl>
+                                          <p:spTgt spid="49"/>
+                                        </p:tgtEl>
+                                        <p:attrNameLst>
+                                          <p:attrName>style.visibility</p:attrName>
+                                        </p:attrNameLst>
+                                      </p:cBhvr>
+                                      <p:to>
+                                        <p:strVal val="visible"/>
+                                      </p:to>
+                                    </p:set>
+                                    <p:animEffect transition="in" filter="fade">
+                                      <p:cBhvr>
+                                        <p:cTn id="86" dur="500"/>
+                                        <p:tgtEl>
+                                          <p:spTgt spid="49"/>
+                                        </p:tgtEl>
+                                      </p:cBhvr>
+                                    </p:animEffect>
+                                  </p:childTnLst>
+                                </p:cTn>
+                              </p:par>
+                            </p:childTnLst>
+                          </p:cTn>
+                        </p:par>
+                      </p:childTnLst>
+                    </p:cTn>
+                  </p:par>
+                  <p:par>
+                    <p:cTn id="87" fill="hold">
+                      <p:stCondLst>
+                        <p:cond delay="indefinite"/>
+                      </p:stCondLst>
+                      <p:childTnLst>
+                        <p:par>
+                          <p:cTn id="88" fill="hold">
+                            <p:stCondLst>
+                              <p:cond delay="0"/>
+                            </p:stCondLst>
+                            <p:childTnLst>
+                              <p:par>
+                                <p:cTn id="89" presetID="10" presetClass="entr" presetSubtype="0" fill="hold" nodeType="clickEffect">
+                                  <p:stCondLst>
+                                    <p:cond delay="0"/>
+                                  </p:stCondLst>
+                                  <p:childTnLst>
+                                    <p:set>
+                                      <p:cBhvr>
+                                        <p:cTn id="90" dur="1" fill="hold">
+                                          <p:stCondLst>
+                                            <p:cond delay="0"/>
+                                          </p:stCondLst>
+                                        </p:cTn>
+                                        <p:tgtEl>
+                                          <p:spTgt spid="55"/>
+                                        </p:tgtEl>
+                                        <p:attrNameLst>
+                                          <p:attrName>style.visibility</p:attrName>
+                                        </p:attrNameLst>
+                                      </p:cBhvr>
+                                      <p:to>
+                                        <p:strVal val="visible"/>
+                                      </p:to>
+                                    </p:set>
+                                    <p:animEffect transition="in" filter="fade">
+                                      <p:cBhvr>
+                                        <p:cTn id="91" dur="500"/>
+                                        <p:tgtEl>
                                           <p:spTgt spid="55"/>
                                         </p:tgtEl>
                                       </p:cBhvr>
@@ -8081,14 +8388,14 @@
                                 </p:cTn>
                               </p:par>
                               <p:par>
-                                <p:cTn id="81" presetID="10" presetClass="entr" presetSubtype="0" fill="hold" grpId="0" nodeType="withEffect">
+                                <p:cTn id="92" presetID="10" presetClass="entr" presetSubtype="0" fill="hold" grpId="0" nodeType="withEffect">
                                   <p:stCondLst>
                                     <p:cond delay="0"/>
                                   </p:stCondLst>
                                   <p:childTnLst>
                                     <p:set>
                                       <p:cBhvr>
-                                        <p:cTn id="82" dur="1" fill="hold">
+                                        <p:cTn id="93" dur="1" fill="hold">
                                           <p:stCondLst>
                                             <p:cond delay="0"/>
                                           </p:stCondLst>
@@ -8106,7 +8413,7 @@
                                     </p:set>
                                     <p:animEffect transition="in" filter="fade">
                                       <p:cBhvr>
-                                        <p:cTn id="83" dur="500"/>
+                                        <p:cTn id="94" dur="500"/>
                                         <p:tgtEl>
                                           <p:spTgt spid="54"/>
                                         </p:tgtEl>
@@ -8122,26 +8429,26 @@
                     </p:cTn>
                   </p:par>
                   <p:par>
-                    <p:cTn id="84" fill="hold">
+                    <p:cTn id="95" fill="hold">
                       <p:stCondLst>
                         <p:cond delay="indefinite"/>
                       </p:stCondLst>
                       <p:childTnLst>
                         <p:par>
-                          <p:cTn id="85" fill="hold">
+                          <p:cTn id="96" fill="hold">
                             <p:stCondLst>
                               <p:cond delay="0"/>
                             </p:stCondLst>
                             <p:childTnLst>
                               <p:par>
-                                <p:cTn id="86" presetID="10" presetClass="entr" presetSubtype="0" fill="hold" nodeType="clickEffect">
+                                <p:cTn id="97" presetID="10" presetClass="entr" presetSubtype="0" fill="hold" nodeType="clickEffect">
                                   <p:stCondLst>
                                     <p:cond delay="0"/>
                                   </p:stCondLst>
                                   <p:childTnLst>
                                     <p:set>
                                       <p:cBhvr>
-                                        <p:cTn id="87" dur="1" fill="hold">
+                                        <p:cTn id="98" dur="1" fill="hold">
                                           <p:stCondLst>
                                             <p:cond delay="0"/>
                                           </p:stCondLst>
@@ -8159,7 +8466,7 @@
                                     </p:set>
                                     <p:animEffect transition="in" filter="fade">
                                       <p:cBhvr>
-                                        <p:cTn id="88" dur="500"/>
+                                        <p:cTn id="99" dur="500"/>
                                         <p:tgtEl>
                                           <p:spTgt spid="57"/>
                                         </p:tgtEl>
@@ -8169,14 +8476,14 @@
                                 </p:cTn>
                               </p:par>
                               <p:par>
-                                <p:cTn id="89" presetID="10" presetClass="entr" presetSubtype="0" fill="hold" grpId="0" nodeType="withEffect">
+                                <p:cTn id="100" presetID="10" presetClass="entr" presetSubtype="0" fill="hold" grpId="0" nodeType="withEffect">
                                   <p:stCondLst>
                                     <p:cond delay="0"/>
                                   </p:stCondLst>
                                   <p:childTnLst>
                                     <p:set>
                                       <p:cBhvr>
-                                        <p:cTn id="90" dur="1" fill="hold">
+                                        <p:cTn id="101" dur="1" fill="hold">
                                           <p:stCondLst>
                                             <p:cond delay="0"/>
                                           </p:stCondLst>
@@ -8194,7 +8501,7 @@
                                     </p:set>
                                     <p:animEffect transition="in" filter="fade">
                                       <p:cBhvr>
-                                        <p:cTn id="91" dur="500"/>
+                                        <p:cTn id="102" dur="500"/>
                                         <p:tgtEl>
                                           <p:spTgt spid="56"/>
                                         </p:tgtEl>
@@ -8210,26 +8517,26 @@
                     </p:cTn>
                   </p:par>
                   <p:par>
-                    <p:cTn id="92" fill="hold">
+                    <p:cTn id="103" fill="hold">
                       <p:stCondLst>
                         <p:cond delay="indefinite"/>
                       </p:stCondLst>
                       <p:childTnLst>
                         <p:par>
-                          <p:cTn id="93" fill="hold">
+                          <p:cTn id="104" fill="hold">
                             <p:stCondLst>
                               <p:cond delay="0"/>
                             </p:stCondLst>
                             <p:childTnLst>
                               <p:par>
-                                <p:cTn id="94" presetID="10" presetClass="entr" presetSubtype="0" fill="hold" nodeType="clickEffect">
+                                <p:cTn id="105" presetID="10" presetClass="entr" presetSubtype="0" fill="hold" nodeType="clickEffect">
                                   <p:stCondLst>
                                     <p:cond delay="0"/>
                                   </p:stCondLst>
                                   <p:childTnLst>
                                     <p:set>
                                       <p:cBhvr>
-                                        <p:cTn id="95" dur="1" fill="hold">
+                                        <p:cTn id="106" dur="1" fill="hold">
                                           <p:stCondLst>
                                             <p:cond delay="0"/>
                                           </p:stCondLst>
@@ -8247,7 +8554,7 @@
                                     </p:set>
                                     <p:animEffect transition="in" filter="fade">
                                       <p:cBhvr>
-                                        <p:cTn id="96" dur="500"/>
+                                        <p:cTn id="107" dur="500"/>
                                         <p:tgtEl>
                                           <p:spTgt spid="59"/>
                                         </p:tgtEl>
@@ -8257,14 +8564,14 @@
                                 </p:cTn>
                               </p:par>
                               <p:par>
-                                <p:cTn id="97" presetID="10" presetClass="entr" presetSubtype="0" fill="hold" grpId="0" nodeType="withEffect">
+                                <p:cTn id="108" presetID="10" presetClass="entr" presetSubtype="0" fill="hold" grpId="0" nodeType="withEffect">
                                   <p:stCondLst>
                                     <p:cond delay="0"/>
                                   </p:stCondLst>
                                   <p:childTnLst>
                                     <p:set>
                                       <p:cBhvr>
-                                        <p:cTn id="98" dur="1" fill="hold">
+                                        <p:cTn id="109" dur="1" fill="hold">
                                           <p:stCondLst>
                                             <p:cond delay="0"/>
                                           </p:stCondLst>
@@ -8282,7 +8589,7 @@
                                     </p:set>
                                     <p:animEffect transition="in" filter="fade">
                                       <p:cBhvr>
-                                        <p:cTn id="99" dur="500"/>
+                                        <p:cTn id="110" dur="500"/>
                                         <p:tgtEl>
                                           <p:spTgt spid="58"/>
                                         </p:tgtEl>
@@ -8298,26 +8605,26 @@
                     </p:cTn>
                   </p:par>
                   <p:par>
-                    <p:cTn id="100" fill="hold">
+                    <p:cTn id="111" fill="hold">
                       <p:stCondLst>
                         <p:cond delay="indefinite"/>
                       </p:stCondLst>
                       <p:childTnLst>
                         <p:par>
-                          <p:cTn id="101" fill="hold">
+                          <p:cTn id="112" fill="hold">
                             <p:stCondLst>
                               <p:cond delay="0"/>
                             </p:stCondLst>
                             <p:childTnLst>
                               <p:par>
-                                <p:cTn id="102" presetID="10" presetClass="entr" presetSubtype="0" fill="hold" nodeType="clickEffect">
+                                <p:cTn id="113" presetID="10" presetClass="entr" presetSubtype="0" fill="hold" nodeType="clickEffect">
                                   <p:stCondLst>
                                     <p:cond delay="0"/>
                                   </p:stCondLst>
                                   <p:childTnLst>
                                     <p:set>
                                       <p:cBhvr>
-                                        <p:cTn id="103" dur="1" fill="hold">
+                                        <p:cTn id="114" dur="1" fill="hold">
                                           <p:stCondLst>
                                             <p:cond delay="0"/>
                                           </p:stCondLst>
@@ -8335,7 +8642,7 @@
                                     </p:set>
                                     <p:animEffect transition="in" filter="fade">
                                       <p:cBhvr>
-                                        <p:cTn id="104" dur="500"/>
+                                        <p:cTn id="115" dur="500"/>
                                         <p:tgtEl>
                                           <p:spTgt spid="60"/>
                                         </p:tgtEl>
@@ -8345,14 +8652,14 @@
                                 </p:cTn>
                               </p:par>
                               <p:par>
-                                <p:cTn id="105" presetID="10" presetClass="entr" presetSubtype="0" fill="hold" grpId="0" nodeType="withEffect">
+                                <p:cTn id="116" presetID="10" presetClass="entr" presetSubtype="0" fill="hold" grpId="0" nodeType="withEffect">
                                   <p:stCondLst>
                                     <p:cond delay="0"/>
                                   </p:stCondLst>
                                   <p:childTnLst>
                                     <p:set>
                                       <p:cBhvr>
-                                        <p:cTn id="106" dur="1" fill="hold">
+                                        <p:cTn id="117" dur="1" fill="hold">
                                           <p:stCondLst>
                                             <p:cond delay="0"/>
                                           </p:stCondLst>
@@ -8370,7 +8677,7 @@
                                     </p:set>
                                     <p:animEffect transition="in" filter="fade">
                                       <p:cBhvr>
-                                        <p:cTn id="107" dur="500"/>
+                                        <p:cTn id="118" dur="500"/>
                                         <p:tgtEl>
                                           <p:spTgt spid="62"/>
                                         </p:tgtEl>
@@ -8386,26 +8693,26 @@
                     </p:cTn>
                   </p:par>
                   <p:par>
-                    <p:cTn id="108" fill="hold">
+                    <p:cTn id="119" fill="hold">
                       <p:stCondLst>
                         <p:cond delay="indefinite"/>
                       </p:stCondLst>
                       <p:childTnLst>
                         <p:par>
-                          <p:cTn id="109" fill="hold">
+                          <p:cTn id="120" fill="hold">
                             <p:stCondLst>
                               <p:cond delay="0"/>
                             </p:stCondLst>
                             <p:childTnLst>
                               <p:par>
-                                <p:cTn id="110" presetID="10" presetClass="entr" presetSubtype="0" fill="hold" nodeType="clickEffect">
+                                <p:cTn id="121" presetID="10" presetClass="entr" presetSubtype="0" fill="hold" nodeType="clickEffect">
                                   <p:stCondLst>
                                     <p:cond delay="0"/>
                                   </p:stCondLst>
                                   <p:childTnLst>
                                     <p:set>
                                       <p:cBhvr>
-                                        <p:cTn id="111" dur="1" fill="hold">
+                                        <p:cTn id="122" dur="1" fill="hold">
                                           <p:stCondLst>
                                             <p:cond delay="0"/>
                                           </p:stCondLst>
@@ -8423,7 +8730,7 @@
                                     </p:set>
                                     <p:animEffect transition="in" filter="fade">
                                       <p:cBhvr>
-                                        <p:cTn id="112" dur="500"/>
+                                        <p:cTn id="123" dur="500"/>
                                         <p:tgtEl>
                                           <p:spTgt spid="61"/>
                                         </p:tgtEl>
@@ -8433,14 +8740,14 @@
                                 </p:cTn>
                               </p:par>
                               <p:par>
-                                <p:cTn id="113" presetID="10" presetClass="entr" presetSubtype="0" fill="hold" grpId="0" nodeType="withEffect">
+                                <p:cTn id="124" presetID="10" presetClass="entr" presetSubtype="0" fill="hold" grpId="0" nodeType="withEffect">
                                   <p:stCondLst>
                                     <p:cond delay="0"/>
                                   </p:stCondLst>
                                   <p:childTnLst>
                                     <p:set>
                                       <p:cBhvr>
-                                        <p:cTn id="114" dur="1" fill="hold">
+                                        <p:cTn id="125" dur="1" fill="hold">
                                           <p:stCondLst>
                                             <p:cond delay="0"/>
                                           </p:stCondLst>
@@ -8458,7 +8765,7 @@
                                     </p:set>
                                     <p:animEffect transition="in" filter="fade">
                                       <p:cBhvr>
-                                        <p:cTn id="115" dur="500"/>
+                                        <p:cTn id="126" dur="500"/>
                                         <p:tgtEl>
                                           <p:spTgt spid="63"/>
                                         </p:tgtEl>
@@ -8474,26 +8781,114 @@
                     </p:cTn>
                   </p:par>
                   <p:par>
-                    <p:cTn id="116" fill="hold">
+                    <p:cTn id="127" fill="hold">
                       <p:stCondLst>
                         <p:cond delay="indefinite"/>
                       </p:stCondLst>
                       <p:childTnLst>
                         <p:par>
-                          <p:cTn id="117" fill="hold">
+                          <p:cTn id="128" fill="hold">
                             <p:stCondLst>
                               <p:cond delay="0"/>
                             </p:stCondLst>
                             <p:childTnLst>
                               <p:par>
-                                <p:cTn id="118" presetID="10" presetClass="entr" presetSubtype="0" fill="hold" nodeType="clickEffect">
+                                <p:cTn id="129" presetID="10" presetClass="entr" presetSubtype="0" fill="hold" nodeType="clickEffect">
                                   <p:stCondLst>
                                     <p:cond delay="0"/>
                                   </p:stCondLst>
                                   <p:childTnLst>
                                     <p:set>
                                       <p:cBhvr>
-                                        <p:cTn id="119" dur="1" fill="hold">
+                                        <p:cTn id="130" dur="1" fill="hold">
+                                          <p:stCondLst>
+                                            <p:cond delay="0"/>
+                                          </p:stCondLst>
+                                        </p:cTn>
+                                        <p:tgtEl>
+                                          <p:spTgt spid="16"/>
+                                        </p:tgtEl>
+                                        <p:attrNameLst>
+                                          <p:attrName>style.visibility</p:attrName>
+                                        </p:attrNameLst>
+                                      </p:cBhvr>
+                                      <p:to>
+                                        <p:strVal val="visible"/>
+                                      </p:to>
+                                    </p:set>
+                                    <p:animEffect transition="in" filter="fade">
+                                      <p:cBhvr>
+                                        <p:cTn id="131" dur="500"/>
+                                        <p:tgtEl>
+                                          <p:spTgt spid="16"/>
+                                        </p:tgtEl>
+                                      </p:cBhvr>
+                                    </p:animEffect>
+                                  </p:childTnLst>
+                                </p:cTn>
+                              </p:par>
+                              <p:par>
+                                <p:cTn id="132" presetID="10" presetClass="entr" presetSubtype="0" fill="hold" grpId="0" nodeType="withEffect">
+                                  <p:stCondLst>
+                                    <p:cond delay="0"/>
+                                  </p:stCondLst>
+                                  <p:childTnLst>
+                                    <p:set>
+                                      <p:cBhvr>
+                                        <p:cTn id="133" dur="1" fill="hold">
+                                          <p:stCondLst>
+                                            <p:cond delay="0"/>
+                                          </p:stCondLst>
+                                        </p:cTn>
+                                        <p:tgtEl>
+                                          <p:spTgt spid="50"/>
+                                        </p:tgtEl>
+                                        <p:attrNameLst>
+                                          <p:attrName>style.visibility</p:attrName>
+                                        </p:attrNameLst>
+                                      </p:cBhvr>
+                                      <p:to>
+                                        <p:strVal val="visible"/>
+                                      </p:to>
+                                    </p:set>
+                                    <p:animEffect transition="in" filter="fade">
+                                      <p:cBhvr>
+                                        <p:cTn id="134" dur="500"/>
+                                        <p:tgtEl>
+                                          <p:spTgt spid="50"/>
+                                        </p:tgtEl>
+                                      </p:cBhvr>
+                                    </p:animEffect>
+                                  </p:childTnLst>
+                                </p:cTn>
+                              </p:par>
+                            </p:childTnLst>
+                          </p:cTn>
+                        </p:par>
+                      </p:childTnLst>
+                    </p:cTn>
+                  </p:par>
+                  <p:par>
+                    <p:cTn id="135" fill="hold">
+                      <p:stCondLst>
+                        <p:cond delay="indefinite"/>
+                      </p:stCondLst>
+                      <p:childTnLst>
+                        <p:par>
+                          <p:cTn id="136" fill="hold">
+                            <p:stCondLst>
+                              <p:cond delay="0"/>
+                            </p:stCondLst>
+                            <p:childTnLst>
+                              <p:par>
+                                <p:cTn id="137" presetID="10" presetClass="entr" presetSubtype="0" fill="hold" nodeType="clickEffect">
+                                  <p:stCondLst>
+                                    <p:cond delay="0"/>
+                                  </p:stCondLst>
+                                  <p:childTnLst>
+                                    <p:set>
+                                      <p:cBhvr>
+                                        <p:cTn id="138" dur="1" fill="hold">
                                           <p:stCondLst>
                                             <p:cond delay="0"/>
                                           </p:stCondLst>
@@ -8511,7 +8906,7 @@
                                     </p:set>
                                     <p:animEffect transition="in" filter="fade">
                                       <p:cBhvr>
-                                        <p:cTn id="120" dur="500"/>
+                                        <p:cTn id="139" dur="500"/>
                                         <p:tgtEl>
                                           <p:spTgt spid="65"/>
                                         </p:tgtEl>
@@ -8521,14 +8916,14 @@
                                 </p:cTn>
                               </p:par>
                               <p:par>
-                                <p:cTn id="121" presetID="10" presetClass="entr" presetSubtype="0" fill="hold" grpId="0" nodeType="withEffect">
+                                <p:cTn id="140" presetID="10" presetClass="entr" presetSubtype="0" fill="hold" grpId="0" nodeType="withEffect">
                                   <p:stCondLst>
                                     <p:cond delay="0"/>
                                   </p:stCondLst>
                                   <p:childTnLst>
                                     <p:set>
                                       <p:cBhvr>
-                                        <p:cTn id="122" dur="1" fill="hold">
+                                        <p:cTn id="141" dur="1" fill="hold">
                                           <p:stCondLst>
                                             <p:cond delay="0"/>
                                           </p:stCondLst>
@@ -8546,7 +8941,7 @@
                                     </p:set>
                                     <p:animEffect transition="in" filter="fade">
                                       <p:cBhvr>
-                                        <p:cTn id="123" dur="500"/>
+                                        <p:cTn id="142" dur="500"/>
                                         <p:tgtEl>
                                           <p:spTgt spid="64"/>
                                         </p:tgtEl>
@@ -8562,26 +8957,26 @@
                     </p:cTn>
                   </p:par>
                   <p:par>
-                    <p:cTn id="124" fill="hold">
+                    <p:cTn id="143" fill="hold">
                       <p:stCondLst>
                         <p:cond delay="indefinite"/>
                       </p:stCondLst>
                       <p:childTnLst>
                         <p:par>
-                          <p:cTn id="125" fill="hold">
+                          <p:cTn id="144" fill="hold">
                             <p:stCondLst>
                               <p:cond delay="0"/>
                             </p:stCondLst>
                             <p:childTnLst>
                               <p:par>
-                                <p:cTn id="126" presetID="10" presetClass="entr" presetSubtype="0" fill="hold" nodeType="clickEffect">
+                                <p:cTn id="145" presetID="10" presetClass="entr" presetSubtype="0" fill="hold" nodeType="clickEffect">
                                   <p:stCondLst>
                                     <p:cond delay="0"/>
                                   </p:stCondLst>
                                   <p:childTnLst>
                                     <p:set>
                                       <p:cBhvr>
-                                        <p:cTn id="127" dur="1" fill="hold">
+                                        <p:cTn id="146" dur="1" fill="hold">
                                           <p:stCondLst>
                                             <p:cond delay="0"/>
                                           </p:stCondLst>
@@ -8599,7 +8994,7 @@
                                     </p:set>
                                     <p:animEffect transition="in" filter="fade">
                                       <p:cBhvr>
-                                        <p:cTn id="128" dur="500"/>
+                                        <p:cTn id="147" dur="500"/>
                                         <p:tgtEl>
                                           <p:spTgt spid="69"/>
                                         </p:tgtEl>
@@ -8609,14 +9004,14 @@
                                 </p:cTn>
                               </p:par>
                               <p:par>
-                                <p:cTn id="129" presetID="10" presetClass="entr" presetSubtype="0" fill="hold" nodeType="withEffect">
+                                <p:cTn id="148" presetID="10" presetClass="entr" presetSubtype="0" fill="hold" nodeType="withEffect">
                                   <p:stCondLst>
                                     <p:cond delay="0"/>
                                   </p:stCondLst>
                                   <p:childTnLst>
                                     <p:set>
                                       <p:cBhvr>
-                                        <p:cTn id="130" dur="1" fill="hold">
+                                        <p:cTn id="149" dur="1" fill="hold">
                                           <p:stCondLst>
                                             <p:cond delay="0"/>
                                           </p:stCondLst>
@@ -8634,7 +9029,7 @@
                                     </p:set>
                                     <p:animEffect transition="in" filter="fade">
                                       <p:cBhvr>
-                                        <p:cTn id="131" dur="500"/>
+                                        <p:cTn id="150" dur="500"/>
                                         <p:tgtEl>
                                           <p:spTgt spid="75"/>
                                         </p:tgtEl>
@@ -8650,26 +9045,26 @@
                     </p:cTn>
                   </p:par>
                   <p:par>
-                    <p:cTn id="132" fill="hold">
+                    <p:cTn id="151" fill="hold">
                       <p:stCondLst>
                         <p:cond delay="indefinite"/>
                       </p:stCondLst>
                       <p:childTnLst>
                         <p:par>
-                          <p:cTn id="133" fill="hold">
+                          <p:cTn id="152" fill="hold">
                             <p:stCondLst>
                               <p:cond delay="0"/>
                             </p:stCondLst>
                             <p:childTnLst>
                               <p:par>
-                                <p:cTn id="134" presetID="10" presetClass="entr" presetSubtype="0" fill="hold" grpId="0" nodeType="clickEffect">
+                                <p:cTn id="153" presetID="10" presetClass="entr" presetSubtype="0" fill="hold" grpId="0" nodeType="clickEffect">
                                   <p:stCondLst>
                                     <p:cond delay="0"/>
                                   </p:stCondLst>
                                   <p:childTnLst>
                                     <p:set>
                                       <p:cBhvr>
-                                        <p:cTn id="135" dur="1" fill="hold">
+                                        <p:cTn id="154" dur="1" fill="hold">
                                           <p:stCondLst>
                                             <p:cond delay="0"/>
                                           </p:stCondLst>
@@ -8687,7 +9082,7 @@
                                     </p:set>
                                     <p:animEffect transition="in" filter="fade">
                                       <p:cBhvr>
-                                        <p:cTn id="136" dur="500"/>
+                                        <p:cTn id="155" dur="500"/>
                                         <p:tgtEl>
                                           <p:spTgt spid="79"/>
                                         </p:tgtEl>
@@ -8703,26 +9098,26 @@
                     </p:cTn>
                   </p:par>
                   <p:par>
-                    <p:cTn id="137" fill="hold">
+                    <p:cTn id="156" fill="hold">
                       <p:stCondLst>
                         <p:cond delay="indefinite"/>
                       </p:stCondLst>
                       <p:childTnLst>
                         <p:par>
-                          <p:cTn id="138" fill="hold">
+                          <p:cTn id="157" fill="hold">
                             <p:stCondLst>
                               <p:cond delay="0"/>
                             </p:stCondLst>
                             <p:childTnLst>
                               <p:par>
-                                <p:cTn id="139" presetID="10" presetClass="entr" presetSubtype="0" fill="hold" grpId="0" nodeType="clickEffect">
+                                <p:cTn id="158" presetID="10" presetClass="entr" presetSubtype="0" fill="hold" grpId="0" nodeType="clickEffect">
                                   <p:stCondLst>
                                     <p:cond delay="0"/>
                                   </p:stCondLst>
                                   <p:childTnLst>
                                     <p:set>
                                       <p:cBhvr>
-                                        <p:cTn id="140" dur="1" fill="hold">
+                                        <p:cTn id="159" dur="1" fill="hold">
                                           <p:stCondLst>
                                             <p:cond delay="0"/>
                                           </p:stCondLst>
@@ -8740,7 +9135,7 @@
                                     </p:set>
                                     <p:animEffect transition="in" filter="fade">
                                       <p:cBhvr>
-                                        <p:cTn id="141" dur="500"/>
+                                        <p:cTn id="160" dur="500"/>
                                         <p:tgtEl>
                                           <p:spTgt spid="78"/>
                                         </p:tgtEl>
@@ -8750,14 +9145,14 @@
                                 </p:cTn>
                               </p:par>
                               <p:par>
-                                <p:cTn id="142" presetID="10" presetClass="entr" presetSubtype="0" fill="hold" grpId="0" nodeType="withEffect">
+                                <p:cTn id="161" presetID="10" presetClass="entr" presetSubtype="0" fill="hold" grpId="0" nodeType="withEffect">
                                   <p:stCondLst>
                                     <p:cond delay="0"/>
                                   </p:stCondLst>
                                   <p:childTnLst>
                                     <p:set>
                                       <p:cBhvr>
-                                        <p:cTn id="143" dur="1" fill="hold">
+                                        <p:cTn id="162" dur="1" fill="hold">
                                           <p:stCondLst>
                                             <p:cond delay="0"/>
                                           </p:stCondLst>
@@ -8775,7 +9170,7 @@
                                     </p:set>
                                     <p:animEffect transition="in" filter="fade">
                                       <p:cBhvr>
-                                        <p:cTn id="144" dur="500"/>
+                                        <p:cTn id="163" dur="500"/>
                                         <p:tgtEl>
                                           <p:spTgt spid="76"/>
                                         </p:tgtEl>
@@ -8812,6 +9207,8 @@
       </p:par>
     </p:tnLst>
     <p:bldLst>
+      <p:bldP spid="80" grpId="0"/>
+      <p:bldP spid="80" grpId="1"/>
       <p:bldP spid="76" grpId="0" animBg="1"/>
       <p:bldP spid="13" grpId="0"/>
       <p:bldP spid="13" grpId="1"/>
@@ -8830,8 +9227,8 @@
       <p:bldP spid="64" grpId="0" animBg="1"/>
       <p:bldP spid="78" grpId="0"/>
       <p:bldP spid="79" grpId="0"/>
-      <p:bldP spid="80" grpId="0"/>
-      <p:bldP spid="80" grpId="1"/>
+      <p:bldP spid="49" grpId="0"/>
+      <p:bldP spid="50" grpId="0"/>
     </p:bldLst>
   </p:timing>
 </p:sld>
@@ -10519,15 +10916,23 @@
             </a:r>
             <a:r>
               <a:rPr lang="fr-FR" sz="2800" dirty="0" smtClean="0"/>
-              <a:t>(self):</a:t>
-            </a:r>
-          </a:p>
-          <a:p>
-            <a:pPr lvl="4"/>
+              <a:t>(self</a:t>
+            </a:r>
+            <a:r>
+              <a:rPr lang="fr-FR" sz="2800" dirty="0" smtClean="0"/>
+              <a:t>):</a:t>
+            </a:r>
+          </a:p>
+          <a:p>
+            <a:r>
+              <a:rPr lang="fr-FR" sz="2800" dirty="0"/>
+              <a:t>	</a:t>
+            </a:r>
             <a:r>
               <a:rPr lang="fr-FR" sz="2800" dirty="0" smtClean="0"/>
               <a:t>x, y = 0, 0</a:t>
             </a:r>
+            <a:endParaRPr lang="fr-FR" sz="2800" dirty="0" smtClean="0"/>
           </a:p>
         </p:txBody>
       </p:sp>
@@ -10624,8 +11029,13 @@
             </a:r>
             <a:r>
               <a:rPr lang="fr-FR" sz="2800" dirty="0" smtClean="0"/>
-              <a:t>(x, y) = « * »</a:t>
-            </a:r>
+              <a:t>(x, y) = </a:t>
+            </a:r>
+            <a:r>
+              <a:rPr lang="fr-FR" sz="2800" dirty="0" err="1" smtClean="0"/>
+              <a:t>caractère_associé</a:t>
+            </a:r>
+            <a:endParaRPr lang="fr-FR" sz="2800" dirty="0" smtClean="0"/>
           </a:p>
         </p:txBody>
       </p:sp>
@@ -10665,7 +11075,7 @@
         </p:nvSpPr>
         <p:spPr>
           <a:xfrm>
-            <a:off x="2649116" y="3948733"/>
+            <a:off x="1734332" y="3948733"/>
             <a:ext cx="6220229" cy="523220"/>
           </a:xfrm>
           <a:prstGeom prst="rect">
@@ -11843,8 +12253,12 @@
               <a:t>Création d’un fichier </a:t>
             </a:r>
             <a:r>
+              <a:rPr lang="fr-FR" sz="2800" dirty="0" err="1"/>
+              <a:t>M</a:t>
+            </a:r>
+            <a:r>
               <a:rPr lang="fr-FR" sz="2800" dirty="0" err="1" smtClean="0"/>
-              <a:t>makefile</a:t>
+              <a:t>akefile</a:t>
             </a:r>
             <a:endParaRPr lang="fr-FR" sz="2800" dirty="0" smtClean="0"/>
           </a:p>
@@ -14786,844 +15200,6 @@
 </file>
 
 <file path=ppt/slides/slide3.xml><?xml version="1.0" encoding="utf-8"?>
-<p:sld xmlns:a="http://schemas.openxmlformats.org/drawingml/2006/main" xmlns:r="http://schemas.openxmlformats.org/officeDocument/2006/relationships" xmlns:p="http://schemas.openxmlformats.org/presentationml/2006/main">
-  <p:cSld>
-    <p:spTree>
-      <p:nvGrpSpPr>
-        <p:cNvPr id="1" name=""/>
-        <p:cNvGrpSpPr/>
-        <p:nvPr/>
-      </p:nvGrpSpPr>
-      <p:grpSpPr>
-        <a:xfrm>
-          <a:off x="0" y="0"/>
-          <a:ext cx="0" cy="0"/>
-          <a:chOff x="0" y="0"/>
-          <a:chExt cx="0" cy="0"/>
-        </a:xfrm>
-      </p:grpSpPr>
-      <p:pic>
-        <p:nvPicPr>
-          <p:cNvPr id="5" name="Image 4"/>
-          <p:cNvPicPr>
-            <a:picLocks noChangeAspect="1"/>
-          </p:cNvPicPr>
-          <p:nvPr/>
-        </p:nvPicPr>
-        <p:blipFill>
-          <a:blip r:embed="rId2">
-            <a:extLst>
-              <a:ext uri="{28A0092B-C50C-407E-A947-70E740481C1C}">
-                <a14:useLocalDpi xmlns:a14="http://schemas.microsoft.com/office/drawing/2010/main" val="0"/>
-              </a:ext>
-            </a:extLst>
-          </a:blip>
-          <a:stretch>
-            <a:fillRect/>
-          </a:stretch>
-        </p:blipFill>
-        <p:spPr>
-          <a:xfrm>
-            <a:off x="4331267" y="2764215"/>
-            <a:ext cx="3529466" cy="3763723"/>
-          </a:xfrm>
-          <a:prstGeom prst="rect">
-            <a:avLst/>
-          </a:prstGeom>
-        </p:spPr>
-      </p:pic>
-      <p:sp>
-        <p:nvSpPr>
-          <p:cNvPr id="7" name="Rectangle 6"/>
-          <p:cNvSpPr/>
-          <p:nvPr/>
-        </p:nvSpPr>
-        <p:spPr>
-          <a:xfrm>
-            <a:off x="0" y="1"/>
-            <a:ext cx="12192000" cy="624532"/>
-          </a:xfrm>
-          <a:prstGeom prst="rect">
-            <a:avLst/>
-          </a:prstGeom>
-          <a:solidFill>
-            <a:schemeClr val="accent1"/>
-          </a:solidFill>
-          <a:ln>
-            <a:noFill/>
-          </a:ln>
-        </p:spPr>
-        <p:style>
-          <a:lnRef idx="2">
-            <a:schemeClr val="accent4">
-              <a:shade val="50000"/>
-            </a:schemeClr>
-          </a:lnRef>
-          <a:fillRef idx="1">
-            <a:schemeClr val="accent4"/>
-          </a:fillRef>
-          <a:effectRef idx="0">
-            <a:schemeClr val="accent4"/>
-          </a:effectRef>
-          <a:fontRef idx="minor">
-            <a:schemeClr val="lt1"/>
-          </a:fontRef>
-        </p:style>
-        <p:txBody>
-          <a:bodyPr anchor="ctr"/>
-          <a:lstStyle/>
-          <a:p>
-            <a:pPr algn="ctr">
-              <a:defRPr/>
-            </a:pPr>
-            <a:endParaRPr lang="fr-FR">
-              <a:latin typeface="Segoe UI" panose="020B0502040204020203" pitchFamily="34" charset="0"/>
-              <a:ea typeface="Segoe UI" panose="020B0502040204020203" pitchFamily="34" charset="0"/>
-              <a:cs typeface="Segoe UI" panose="020B0502040204020203" pitchFamily="34" charset="0"/>
-            </a:endParaRPr>
-          </a:p>
-        </p:txBody>
-      </p:sp>
-      <p:sp>
-        <p:nvSpPr>
-          <p:cNvPr id="8" name="Arrondir un rectangle avec un coin diagonal 7"/>
-          <p:cNvSpPr/>
-          <p:nvPr/>
-        </p:nvSpPr>
-        <p:spPr>
-          <a:xfrm>
-            <a:off x="9062537" y="242770"/>
-            <a:ext cx="99717" cy="117475"/>
-          </a:xfrm>
-          <a:prstGeom prst="round2DiagRect">
-            <a:avLst/>
-          </a:prstGeom>
-          <a:solidFill>
-            <a:schemeClr val="bg1">
-              <a:lumMod val="85000"/>
-            </a:schemeClr>
-          </a:solidFill>
-          <a:ln>
-            <a:noFill/>
-          </a:ln>
-        </p:spPr>
-        <p:style>
-          <a:lnRef idx="2">
-            <a:schemeClr val="accent1">
-              <a:shade val="50000"/>
-            </a:schemeClr>
-          </a:lnRef>
-          <a:fillRef idx="1">
-            <a:schemeClr val="accent1"/>
-          </a:fillRef>
-          <a:effectRef idx="0">
-            <a:schemeClr val="accent1"/>
-          </a:effectRef>
-          <a:fontRef idx="minor">
-            <a:schemeClr val="lt1"/>
-          </a:fontRef>
-        </p:style>
-        <p:txBody>
-          <a:bodyPr anchor="ctr"/>
-          <a:lstStyle/>
-          <a:p>
-            <a:pPr algn="ctr">
-              <a:defRPr/>
-            </a:pPr>
-            <a:endParaRPr lang="fr-FR">
-              <a:latin typeface="Segoe UI" panose="020B0502040204020203" pitchFamily="34" charset="0"/>
-              <a:ea typeface="Segoe UI" panose="020B0502040204020203" pitchFamily="34" charset="0"/>
-              <a:cs typeface="Segoe UI" panose="020B0502040204020203" pitchFamily="34" charset="0"/>
-            </a:endParaRPr>
-          </a:p>
-        </p:txBody>
-      </p:sp>
-      <p:sp>
-        <p:nvSpPr>
-          <p:cNvPr id="9" name="Arrondir un rectangle avec un coin diagonal 8"/>
-          <p:cNvSpPr/>
-          <p:nvPr/>
-        </p:nvSpPr>
-        <p:spPr>
-          <a:xfrm>
-            <a:off x="6703015" y="241182"/>
-            <a:ext cx="99717" cy="119062"/>
-          </a:xfrm>
-          <a:prstGeom prst="round2DiagRect">
-            <a:avLst/>
-          </a:prstGeom>
-          <a:solidFill>
-            <a:schemeClr val="bg1">
-              <a:lumMod val="85000"/>
-            </a:schemeClr>
-          </a:solidFill>
-          <a:ln>
-            <a:noFill/>
-          </a:ln>
-        </p:spPr>
-        <p:style>
-          <a:lnRef idx="2">
-            <a:schemeClr val="accent1">
-              <a:shade val="50000"/>
-            </a:schemeClr>
-          </a:lnRef>
-          <a:fillRef idx="1">
-            <a:schemeClr val="accent1"/>
-          </a:fillRef>
-          <a:effectRef idx="0">
-            <a:schemeClr val="accent1"/>
-          </a:effectRef>
-          <a:fontRef idx="minor">
-            <a:schemeClr val="lt1"/>
-          </a:fontRef>
-        </p:style>
-        <p:txBody>
-          <a:bodyPr anchor="ctr"/>
-          <a:lstStyle/>
-          <a:p>
-            <a:pPr algn="ctr">
-              <a:defRPr/>
-            </a:pPr>
-            <a:endParaRPr lang="fr-FR" b="1">
-              <a:latin typeface="Segoe UI" panose="020B0502040204020203" pitchFamily="34" charset="0"/>
-              <a:ea typeface="Segoe UI" panose="020B0502040204020203" pitchFamily="34" charset="0"/>
-              <a:cs typeface="Segoe UI" panose="020B0502040204020203" pitchFamily="34" charset="0"/>
-            </a:endParaRPr>
-          </a:p>
-        </p:txBody>
-      </p:sp>
-      <p:sp>
-        <p:nvSpPr>
-          <p:cNvPr id="10" name="ZoneTexte 9"/>
-          <p:cNvSpPr txBox="1"/>
-          <p:nvPr/>
-        </p:nvSpPr>
-        <p:spPr>
-          <a:xfrm>
-            <a:off x="4581521" y="120885"/>
-            <a:ext cx="1783843" cy="369332"/>
-          </a:xfrm>
-          <a:prstGeom prst="rect">
-            <a:avLst/>
-          </a:prstGeom>
-          <a:noFill/>
-        </p:spPr>
-        <p:txBody>
-          <a:bodyPr wrap="square" rtlCol="0">
-            <a:spAutoFit/>
-          </a:bodyPr>
-          <a:lstStyle/>
-          <a:p>
-            <a:r>
-              <a:rPr lang="fr-FR" b="1" dirty="0" smtClean="0">
-                <a:solidFill>
-                  <a:schemeClr val="bg1">
-                    <a:lumMod val="85000"/>
-                  </a:schemeClr>
-                </a:solidFill>
-                <a:latin typeface="Segoe UI" panose="020B0502040204020203" pitchFamily="34" charset="0"/>
-                <a:ea typeface="Segoe UI" panose="020B0502040204020203" pitchFamily="34" charset="0"/>
-                <a:cs typeface="Segoe UI" panose="020B0502040204020203" pitchFamily="34" charset="0"/>
-              </a:rPr>
-              <a:t>Pré-projet</a:t>
-            </a:r>
-            <a:endParaRPr lang="fr-FR" b="1" dirty="0">
-              <a:solidFill>
-                <a:schemeClr val="bg1">
-                  <a:lumMod val="85000"/>
-                </a:schemeClr>
-              </a:solidFill>
-              <a:latin typeface="Segoe UI" panose="020B0502040204020203" pitchFamily="34" charset="0"/>
-              <a:ea typeface="Segoe UI" panose="020B0502040204020203" pitchFamily="34" charset="0"/>
-              <a:cs typeface="Segoe UI" panose="020B0502040204020203" pitchFamily="34" charset="0"/>
-            </a:endParaRPr>
-          </a:p>
-        </p:txBody>
-      </p:sp>
-      <p:sp>
-        <p:nvSpPr>
-          <p:cNvPr id="11" name="ZoneTexte 10"/>
-          <p:cNvSpPr txBox="1"/>
-          <p:nvPr/>
-        </p:nvSpPr>
-        <p:spPr>
-          <a:xfrm>
-            <a:off x="6784527" y="119616"/>
-            <a:ext cx="1669311" cy="369332"/>
-          </a:xfrm>
-          <a:prstGeom prst="rect">
-            <a:avLst/>
-          </a:prstGeom>
-          <a:noFill/>
-        </p:spPr>
-        <p:txBody>
-          <a:bodyPr wrap="square" rtlCol="0">
-            <a:spAutoFit/>
-          </a:bodyPr>
-          <a:lstStyle/>
-          <a:p>
-            <a:pPr>
-              <a:tabLst>
-                <a:tab pos="177800" algn="l"/>
-              </a:tabLst>
-            </a:pPr>
-            <a:r>
-              <a:rPr lang="fr-FR" b="1" dirty="0" smtClean="0">
-                <a:solidFill>
-                  <a:schemeClr val="bg1">
-                    <a:lumMod val="85000"/>
-                  </a:schemeClr>
-                </a:solidFill>
-                <a:latin typeface="Segoe UI" panose="020B0502040204020203" pitchFamily="34" charset="0"/>
-                <a:ea typeface="Segoe UI" panose="020B0502040204020203" pitchFamily="34" charset="0"/>
-                <a:cs typeface="Segoe UI" panose="020B0502040204020203" pitchFamily="34" charset="0"/>
-              </a:rPr>
-              <a:t>Mise en place</a:t>
-            </a:r>
-            <a:endParaRPr lang="fr-FR" b="1" dirty="0">
-              <a:solidFill>
-                <a:schemeClr val="bg1">
-                  <a:lumMod val="85000"/>
-                </a:schemeClr>
-              </a:solidFill>
-              <a:latin typeface="Segoe UI" panose="020B0502040204020203" pitchFamily="34" charset="0"/>
-              <a:ea typeface="Segoe UI" panose="020B0502040204020203" pitchFamily="34" charset="0"/>
-              <a:cs typeface="Segoe UI" panose="020B0502040204020203" pitchFamily="34" charset="0"/>
-            </a:endParaRPr>
-          </a:p>
-        </p:txBody>
-      </p:sp>
-      <p:sp>
-        <p:nvSpPr>
-          <p:cNvPr id="12" name="ZoneTexte 11"/>
-          <p:cNvSpPr txBox="1"/>
-          <p:nvPr/>
-        </p:nvSpPr>
-        <p:spPr>
-          <a:xfrm>
-            <a:off x="9145245" y="119616"/>
-            <a:ext cx="1801640" cy="369332"/>
-          </a:xfrm>
-          <a:prstGeom prst="rect">
-            <a:avLst/>
-          </a:prstGeom>
-          <a:noFill/>
-        </p:spPr>
-        <p:txBody>
-          <a:bodyPr wrap="square" rtlCol="0">
-            <a:spAutoFit/>
-          </a:bodyPr>
-          <a:lstStyle/>
-          <a:p>
-            <a:r>
-              <a:rPr lang="fr-FR" b="1" dirty="0" smtClean="0">
-                <a:solidFill>
-                  <a:schemeClr val="bg1">
-                    <a:lumMod val="85000"/>
-                  </a:schemeClr>
-                </a:solidFill>
-                <a:latin typeface="Segoe UI" panose="020B0502040204020203" pitchFamily="34" charset="0"/>
-                <a:ea typeface="Segoe UI" panose="020B0502040204020203" pitchFamily="34" charset="0"/>
-                <a:cs typeface="Segoe UI" panose="020B0502040204020203" pitchFamily="34" charset="0"/>
-              </a:rPr>
-              <a:t>Post-projet</a:t>
-            </a:r>
-            <a:endParaRPr lang="fr-FR" b="1" dirty="0">
-              <a:solidFill>
-                <a:schemeClr val="bg1">
-                  <a:lumMod val="85000"/>
-                </a:schemeClr>
-              </a:solidFill>
-              <a:latin typeface="Segoe UI" panose="020B0502040204020203" pitchFamily="34" charset="0"/>
-              <a:ea typeface="Segoe UI" panose="020B0502040204020203" pitchFamily="34" charset="0"/>
-              <a:cs typeface="Segoe UI" panose="020B0502040204020203" pitchFamily="34" charset="0"/>
-            </a:endParaRPr>
-          </a:p>
-        </p:txBody>
-      </p:sp>
-      <p:sp>
-        <p:nvSpPr>
-          <p:cNvPr id="13" name="Pentagone 12"/>
-          <p:cNvSpPr/>
-          <p:nvPr/>
-        </p:nvSpPr>
-        <p:spPr>
-          <a:xfrm>
-            <a:off x="1123617" y="239913"/>
-            <a:ext cx="102968" cy="119062"/>
-          </a:xfrm>
-          <a:prstGeom prst="homePlate">
-            <a:avLst/>
-          </a:prstGeom>
-          <a:solidFill>
-            <a:schemeClr val="bg1"/>
-          </a:solidFill>
-          <a:ln>
-            <a:noFill/>
-          </a:ln>
-        </p:spPr>
-        <p:style>
-          <a:lnRef idx="2">
-            <a:schemeClr val="accent1">
-              <a:shade val="50000"/>
-            </a:schemeClr>
-          </a:lnRef>
-          <a:fillRef idx="1">
-            <a:schemeClr val="accent1"/>
-          </a:fillRef>
-          <a:effectRef idx="0">
-            <a:schemeClr val="accent1"/>
-          </a:effectRef>
-          <a:fontRef idx="minor">
-            <a:schemeClr val="lt1"/>
-          </a:fontRef>
-        </p:style>
-        <p:txBody>
-          <a:bodyPr anchor="ctr"/>
-          <a:lstStyle/>
-          <a:p>
-            <a:pPr algn="ctr">
-              <a:defRPr/>
-            </a:pPr>
-            <a:endParaRPr lang="fr-FR">
-              <a:solidFill>
-                <a:schemeClr val="accent2"/>
-              </a:solidFill>
-              <a:latin typeface="Segoe UI" panose="020B0502040204020203" pitchFamily="34" charset="0"/>
-              <a:ea typeface="Segoe UI" panose="020B0502040204020203" pitchFamily="34" charset="0"/>
-              <a:cs typeface="Segoe UI" panose="020B0502040204020203" pitchFamily="34" charset="0"/>
-            </a:endParaRPr>
-          </a:p>
-        </p:txBody>
-      </p:sp>
-      <p:sp>
-        <p:nvSpPr>
-          <p:cNvPr id="14" name="ZoneTexte 13"/>
-          <p:cNvSpPr txBox="1"/>
-          <p:nvPr/>
-        </p:nvSpPr>
-        <p:spPr>
-          <a:xfrm>
-            <a:off x="1172003" y="114778"/>
-            <a:ext cx="2725527" cy="369332"/>
-          </a:xfrm>
-          <a:prstGeom prst="rect">
-            <a:avLst/>
-          </a:prstGeom>
-          <a:noFill/>
-        </p:spPr>
-        <p:txBody>
-          <a:bodyPr wrap="square" rtlCol="0">
-            <a:spAutoFit/>
-          </a:bodyPr>
-          <a:lstStyle/>
-          <a:p>
-            <a:r>
-              <a:rPr lang="fr-FR" b="1" dirty="0" smtClean="0">
-                <a:solidFill>
-                  <a:schemeClr val="bg1"/>
-                </a:solidFill>
-                <a:latin typeface="Segoe UI" panose="020B0502040204020203" pitchFamily="34" charset="0"/>
-                <a:ea typeface="Segoe UI" panose="020B0502040204020203" pitchFamily="34" charset="0"/>
-                <a:cs typeface="Segoe UI" panose="020B0502040204020203" pitchFamily="34" charset="0"/>
-              </a:rPr>
-              <a:t>Présentation du projet</a:t>
-            </a:r>
-            <a:endParaRPr lang="fr-FR" b="1" dirty="0">
-              <a:solidFill>
-                <a:schemeClr val="bg1"/>
-              </a:solidFill>
-              <a:latin typeface="Segoe UI" panose="020B0502040204020203" pitchFamily="34" charset="0"/>
-              <a:ea typeface="Segoe UI" panose="020B0502040204020203" pitchFamily="34" charset="0"/>
-              <a:cs typeface="Segoe UI" panose="020B0502040204020203" pitchFamily="34" charset="0"/>
-            </a:endParaRPr>
-          </a:p>
-        </p:txBody>
-      </p:sp>
-      <p:sp>
-        <p:nvSpPr>
-          <p:cNvPr id="15" name="Arrondir un rectangle avec un coin diagonal 14"/>
-          <p:cNvSpPr/>
-          <p:nvPr/>
-        </p:nvSpPr>
-        <p:spPr>
-          <a:xfrm>
-            <a:off x="4505977" y="247189"/>
-            <a:ext cx="99717" cy="119062"/>
-          </a:xfrm>
-          <a:prstGeom prst="round2DiagRect">
-            <a:avLst/>
-          </a:prstGeom>
-          <a:solidFill>
-            <a:schemeClr val="bg1">
-              <a:lumMod val="85000"/>
-            </a:schemeClr>
-          </a:solidFill>
-          <a:ln>
-            <a:noFill/>
-          </a:ln>
-        </p:spPr>
-        <p:style>
-          <a:lnRef idx="2">
-            <a:schemeClr val="accent1">
-              <a:shade val="50000"/>
-            </a:schemeClr>
-          </a:lnRef>
-          <a:fillRef idx="1">
-            <a:schemeClr val="accent1"/>
-          </a:fillRef>
-          <a:effectRef idx="0">
-            <a:schemeClr val="accent1"/>
-          </a:effectRef>
-          <a:fontRef idx="minor">
-            <a:schemeClr val="lt1"/>
-          </a:fontRef>
-        </p:style>
-        <p:txBody>
-          <a:bodyPr anchor="ctr"/>
-          <a:lstStyle/>
-          <a:p>
-            <a:pPr algn="ctr">
-              <a:defRPr/>
-            </a:pPr>
-            <a:endParaRPr lang="fr-FR">
-              <a:latin typeface="Segoe UI" panose="020B0502040204020203" pitchFamily="34" charset="0"/>
-              <a:ea typeface="Segoe UI" panose="020B0502040204020203" pitchFamily="34" charset="0"/>
-              <a:cs typeface="Segoe UI" panose="020B0502040204020203" pitchFamily="34" charset="0"/>
-            </a:endParaRPr>
-          </a:p>
-        </p:txBody>
-      </p:sp>
-      <p:sp>
-        <p:nvSpPr>
-          <p:cNvPr id="18" name="Rectangle 17"/>
-          <p:cNvSpPr/>
-          <p:nvPr/>
-        </p:nvSpPr>
-        <p:spPr>
-          <a:xfrm>
-            <a:off x="1797108" y="1732730"/>
-            <a:ext cx="8597784" cy="830997"/>
-          </a:xfrm>
-          <a:prstGeom prst="rect">
-            <a:avLst/>
-          </a:prstGeom>
-        </p:spPr>
-        <p:txBody>
-          <a:bodyPr wrap="square">
-            <a:spAutoFit/>
-          </a:bodyPr>
-          <a:lstStyle/>
-          <a:p>
-            <a:pPr algn="ctr"/>
-            <a:r>
-              <a:rPr lang="fr-FR" sz="2400" b="1" dirty="0" smtClean="0"/>
-              <a:t>Positionnement aléatoire des items</a:t>
-            </a:r>
-            <a:r>
-              <a:rPr lang="fr-FR" sz="2400" dirty="0" smtClean="0"/>
-              <a:t> sur le labyrinthe</a:t>
-            </a:r>
-          </a:p>
-          <a:p>
-            <a:pPr algn="ctr"/>
-            <a:r>
-              <a:rPr lang="fr-FR" sz="2400" b="1" dirty="0" smtClean="0"/>
-              <a:t>15 </a:t>
-            </a:r>
-            <a:r>
-              <a:rPr lang="fr-FR" sz="2400" b="1" dirty="0" err="1" smtClean="0"/>
-              <a:t>sprites</a:t>
-            </a:r>
-            <a:r>
-              <a:rPr lang="fr-FR" sz="2400" b="1" dirty="0" smtClean="0"/>
-              <a:t> de longueur et déplacement du héro de case en case</a:t>
-            </a:r>
-            <a:endParaRPr lang="fr-FR" sz="2400" b="1" dirty="0"/>
-          </a:p>
-        </p:txBody>
-      </p:sp>
-      <p:sp>
-        <p:nvSpPr>
-          <p:cNvPr id="19" name="Titre 1"/>
-          <p:cNvSpPr txBox="1">
-            <a:spLocks/>
-          </p:cNvSpPr>
-          <p:nvPr/>
-        </p:nvSpPr>
-        <p:spPr>
-          <a:xfrm>
-            <a:off x="0" y="568142"/>
-            <a:ext cx="12192000" cy="1325563"/>
-          </a:xfrm>
-          <a:prstGeom prst="rect">
-            <a:avLst/>
-          </a:prstGeom>
-        </p:spPr>
-        <p:txBody>
-          <a:bodyPr vert="horz" lIns="91440" tIns="45720" rIns="91440" bIns="45720" rtlCol="0" anchor="ctr">
-            <a:normAutofit/>
-          </a:bodyPr>
-          <a:lstStyle>
-            <a:lvl1pPr algn="l" defTabSz="914400" rtl="0" eaLnBrk="1" latinLnBrk="0" hangingPunct="1">
-              <a:lnSpc>
-                <a:spcPct val="90000"/>
-              </a:lnSpc>
-              <a:spcBef>
-                <a:spcPct val="0"/>
-              </a:spcBef>
-              <a:buNone/>
-              <a:defRPr sz="4400" kern="1200">
-                <a:solidFill>
-                  <a:schemeClr val="tx1"/>
-                </a:solidFill>
-                <a:latin typeface="+mj-lt"/>
-                <a:ea typeface="+mj-ea"/>
-                <a:cs typeface="+mj-cs"/>
-              </a:defRPr>
-            </a:lvl1pPr>
-          </a:lstStyle>
-          <a:p>
-            <a:pPr algn="ctr"/>
-            <a:r>
-              <a:rPr lang="fr-FR" b="1" dirty="0" smtClean="0">
-                <a:latin typeface="Akzidenz-Grotesk BQ" pitchFamily="50" charset="0"/>
-              </a:rPr>
-              <a:t>Fonctionnalités attendues</a:t>
-            </a:r>
-            <a:endParaRPr lang="fr-FR" b="1" dirty="0">
-              <a:latin typeface="Akzidenz-Grotesk BQ" pitchFamily="50" charset="0"/>
-            </a:endParaRPr>
-          </a:p>
-        </p:txBody>
-      </p:sp>
-    </p:spTree>
-    <p:extLst>
-      <p:ext uri="{BB962C8B-B14F-4D97-AF65-F5344CB8AC3E}">
-        <p14:creationId xmlns:p14="http://schemas.microsoft.com/office/powerpoint/2010/main" val="3826097902"/>
-      </p:ext>
-    </p:extLst>
-  </p:cSld>
-  <p:clrMapOvr>
-    <a:masterClrMapping/>
-  </p:clrMapOvr>
-  <p:timing>
-    <p:tnLst>
-      <p:par>
-        <p:cTn id="1" dur="indefinite" restart="never" nodeType="tmRoot">
-          <p:childTnLst>
-            <p:seq concurrent="1" nextAc="seek">
-              <p:cTn id="2" dur="indefinite" nodeType="mainSeq">
-                <p:childTnLst>
-                  <p:par>
-                    <p:cTn id="3" fill="hold">
-                      <p:stCondLst>
-                        <p:cond delay="indefinite"/>
-                        <p:cond evt="onBegin" delay="0">
-                          <p:tn val="2"/>
-                        </p:cond>
-                      </p:stCondLst>
-                      <p:childTnLst>
-                        <p:par>
-                          <p:cTn id="4" fill="hold">
-                            <p:stCondLst>
-                              <p:cond delay="0"/>
-                            </p:stCondLst>
-                            <p:childTnLst>
-                              <p:par>
-                                <p:cTn id="5" presetID="10" presetClass="entr" presetSubtype="0" fill="hold" nodeType="withEffect">
-                                  <p:stCondLst>
-                                    <p:cond delay="0"/>
-                                  </p:stCondLst>
-                                  <p:childTnLst>
-                                    <p:set>
-                                      <p:cBhvr>
-                                        <p:cTn id="6" dur="1" fill="hold">
-                                          <p:stCondLst>
-                                            <p:cond delay="0"/>
-                                          </p:stCondLst>
-                                        </p:cTn>
-                                        <p:tgtEl>
-                                          <p:spTgt spid="5"/>
-                                        </p:tgtEl>
-                                        <p:attrNameLst>
-                                          <p:attrName>style.visibility</p:attrName>
-                                        </p:attrNameLst>
-                                      </p:cBhvr>
-                                      <p:to>
-                                        <p:strVal val="visible"/>
-                                      </p:to>
-                                    </p:set>
-                                    <p:animEffect transition="in" filter="fade">
-                                      <p:cBhvr>
-                                        <p:cTn id="7" dur="500"/>
-                                        <p:tgtEl>
-                                          <p:spTgt spid="5"/>
-                                        </p:tgtEl>
-                                      </p:cBhvr>
-                                    </p:animEffect>
-                                  </p:childTnLst>
-                                </p:cTn>
-                              </p:par>
-                              <p:par>
-                                <p:cTn id="8" presetID="10" presetClass="entr" presetSubtype="0" fill="hold" grpId="0" nodeType="withEffect">
-                                  <p:stCondLst>
-                                    <p:cond delay="0"/>
-                                  </p:stCondLst>
-                                  <p:childTnLst>
-                                    <p:set>
-                                      <p:cBhvr>
-                                        <p:cTn id="9" dur="1" fill="hold">
-                                          <p:stCondLst>
-                                            <p:cond delay="0"/>
-                                          </p:stCondLst>
-                                        </p:cTn>
-                                        <p:tgtEl>
-                                          <p:spTgt spid="18"/>
-                                        </p:tgtEl>
-                                        <p:attrNameLst>
-                                          <p:attrName>style.visibility</p:attrName>
-                                        </p:attrNameLst>
-                                      </p:cBhvr>
-                                      <p:to>
-                                        <p:strVal val="visible"/>
-                                      </p:to>
-                                    </p:set>
-                                    <p:animEffect transition="in" filter="fade">
-                                      <p:cBhvr>
-                                        <p:cTn id="10" dur="500"/>
-                                        <p:tgtEl>
-                                          <p:spTgt spid="18"/>
-                                        </p:tgtEl>
-                                      </p:cBhvr>
-                                    </p:animEffect>
-                                  </p:childTnLst>
-                                </p:cTn>
-                              </p:par>
-                            </p:childTnLst>
-                          </p:cTn>
-                        </p:par>
-                      </p:childTnLst>
-                    </p:cTn>
-                  </p:par>
-                  <p:par>
-                    <p:cTn id="11" fill="hold">
-                      <p:stCondLst>
-                        <p:cond delay="indefinite"/>
-                      </p:stCondLst>
-                      <p:childTnLst>
-                        <p:par>
-                          <p:cTn id="12" fill="hold">
-                            <p:stCondLst>
-                              <p:cond delay="0"/>
-                            </p:stCondLst>
-                            <p:childTnLst>
-                              <p:par>
-                                <p:cTn id="13" presetID="10" presetClass="exit" presetSubtype="0" fill="hold" nodeType="clickEffect">
-                                  <p:stCondLst>
-                                    <p:cond delay="0"/>
-                                  </p:stCondLst>
-                                  <p:childTnLst>
-                                    <p:animEffect transition="out" filter="fade">
-                                      <p:cBhvr>
-                                        <p:cTn id="14" dur="500"/>
-                                        <p:tgtEl>
-                                          <p:spTgt spid="5"/>
-                                        </p:tgtEl>
-                                      </p:cBhvr>
-                                    </p:animEffect>
-                                    <p:set>
-                                      <p:cBhvr>
-                                        <p:cTn id="15" dur="1" fill="hold">
-                                          <p:stCondLst>
-                                            <p:cond delay="499"/>
-                                          </p:stCondLst>
-                                        </p:cTn>
-                                        <p:tgtEl>
-                                          <p:spTgt spid="5"/>
-                                        </p:tgtEl>
-                                        <p:attrNameLst>
-                                          <p:attrName>style.visibility</p:attrName>
-                                        </p:attrNameLst>
-                                      </p:cBhvr>
-                                      <p:to>
-                                        <p:strVal val="hidden"/>
-                                      </p:to>
-                                    </p:set>
-                                  </p:childTnLst>
-                                </p:cTn>
-                              </p:par>
-                              <p:par>
-                                <p:cTn id="16" presetID="10" presetClass="exit" presetSubtype="0" fill="hold" grpId="1" nodeType="withEffect">
-                                  <p:stCondLst>
-                                    <p:cond delay="0"/>
-                                  </p:stCondLst>
-                                  <p:childTnLst>
-                                    <p:animEffect transition="out" filter="fade">
-                                      <p:cBhvr>
-                                        <p:cTn id="17" dur="500"/>
-                                        <p:tgtEl>
-                                          <p:spTgt spid="18"/>
-                                        </p:tgtEl>
-                                      </p:cBhvr>
-                                    </p:animEffect>
-                                    <p:set>
-                                      <p:cBhvr>
-                                        <p:cTn id="18" dur="1" fill="hold">
-                                          <p:stCondLst>
-                                            <p:cond delay="499"/>
-                                          </p:stCondLst>
-                                        </p:cTn>
-                                        <p:tgtEl>
-                                          <p:spTgt spid="18"/>
-                                        </p:tgtEl>
-                                        <p:attrNameLst>
-                                          <p:attrName>style.visibility</p:attrName>
-                                        </p:attrNameLst>
-                                      </p:cBhvr>
-                                      <p:to>
-                                        <p:strVal val="hidden"/>
-                                      </p:to>
-                                    </p:set>
-                                  </p:childTnLst>
-                                </p:cTn>
-                              </p:par>
-                            </p:childTnLst>
-                          </p:cTn>
-                        </p:par>
-                      </p:childTnLst>
-                    </p:cTn>
-                  </p:par>
-                </p:childTnLst>
-              </p:cTn>
-              <p:prevCondLst>
-                <p:cond evt="onPrev" delay="0">
-                  <p:tgtEl>
-                    <p:sldTgt/>
-                  </p:tgtEl>
-                </p:cond>
-              </p:prevCondLst>
-              <p:nextCondLst>
-                <p:cond evt="onNext" delay="0">
-                  <p:tgtEl>
-                    <p:sldTgt/>
-                  </p:tgtEl>
-                </p:cond>
-              </p:nextCondLst>
-            </p:seq>
-          </p:childTnLst>
-        </p:cTn>
-      </p:par>
-    </p:tnLst>
-    <p:bldLst>
-      <p:bldP spid="18" grpId="0"/>
-      <p:bldP spid="18" grpId="1"/>
-    </p:bldLst>
-  </p:timing>
-</p:sld>
-</file>
-
-<file path=ppt/slides/slide4.xml><?xml version="1.0" encoding="utf-8"?>
 <p:sld xmlns:a="http://schemas.openxmlformats.org/drawingml/2006/main" xmlns:r="http://schemas.openxmlformats.org/officeDocument/2006/relationships" xmlns:p="http://schemas.openxmlformats.org/presentationml/2006/main">
   <p:cSld>
     <p:spTree>
@@ -16671,6 +16247,844 @@
     <p:bldLst>
       <p:bldP spid="5" grpId="0" build="p"/>
       <p:bldP spid="5" grpId="1" build="p"/>
+    </p:bldLst>
+  </p:timing>
+</p:sld>
+</file>
+
+<file path=ppt/slides/slide4.xml><?xml version="1.0" encoding="utf-8"?>
+<p:sld xmlns:a="http://schemas.openxmlformats.org/drawingml/2006/main" xmlns:r="http://schemas.openxmlformats.org/officeDocument/2006/relationships" xmlns:p="http://schemas.openxmlformats.org/presentationml/2006/main">
+  <p:cSld>
+    <p:spTree>
+      <p:nvGrpSpPr>
+        <p:cNvPr id="1" name=""/>
+        <p:cNvGrpSpPr/>
+        <p:nvPr/>
+      </p:nvGrpSpPr>
+      <p:grpSpPr>
+        <a:xfrm>
+          <a:off x="0" y="0"/>
+          <a:ext cx="0" cy="0"/>
+          <a:chOff x="0" y="0"/>
+          <a:chExt cx="0" cy="0"/>
+        </a:xfrm>
+      </p:grpSpPr>
+      <p:pic>
+        <p:nvPicPr>
+          <p:cNvPr id="5" name="Image 4"/>
+          <p:cNvPicPr>
+            <a:picLocks noChangeAspect="1"/>
+          </p:cNvPicPr>
+          <p:nvPr/>
+        </p:nvPicPr>
+        <p:blipFill>
+          <a:blip r:embed="rId2">
+            <a:extLst>
+              <a:ext uri="{28A0092B-C50C-407E-A947-70E740481C1C}">
+                <a14:useLocalDpi xmlns:a14="http://schemas.microsoft.com/office/drawing/2010/main" val="0"/>
+              </a:ext>
+            </a:extLst>
+          </a:blip>
+          <a:stretch>
+            <a:fillRect/>
+          </a:stretch>
+        </p:blipFill>
+        <p:spPr>
+          <a:xfrm>
+            <a:off x="4331267" y="2764215"/>
+            <a:ext cx="3529466" cy="3763723"/>
+          </a:xfrm>
+          <a:prstGeom prst="rect">
+            <a:avLst/>
+          </a:prstGeom>
+        </p:spPr>
+      </p:pic>
+      <p:sp>
+        <p:nvSpPr>
+          <p:cNvPr id="7" name="Rectangle 6"/>
+          <p:cNvSpPr/>
+          <p:nvPr/>
+        </p:nvSpPr>
+        <p:spPr>
+          <a:xfrm>
+            <a:off x="0" y="1"/>
+            <a:ext cx="12192000" cy="624532"/>
+          </a:xfrm>
+          <a:prstGeom prst="rect">
+            <a:avLst/>
+          </a:prstGeom>
+          <a:solidFill>
+            <a:schemeClr val="accent1"/>
+          </a:solidFill>
+          <a:ln>
+            <a:noFill/>
+          </a:ln>
+        </p:spPr>
+        <p:style>
+          <a:lnRef idx="2">
+            <a:schemeClr val="accent4">
+              <a:shade val="50000"/>
+            </a:schemeClr>
+          </a:lnRef>
+          <a:fillRef idx="1">
+            <a:schemeClr val="accent4"/>
+          </a:fillRef>
+          <a:effectRef idx="0">
+            <a:schemeClr val="accent4"/>
+          </a:effectRef>
+          <a:fontRef idx="minor">
+            <a:schemeClr val="lt1"/>
+          </a:fontRef>
+        </p:style>
+        <p:txBody>
+          <a:bodyPr anchor="ctr"/>
+          <a:lstStyle/>
+          <a:p>
+            <a:pPr algn="ctr">
+              <a:defRPr/>
+            </a:pPr>
+            <a:endParaRPr lang="fr-FR">
+              <a:latin typeface="Segoe UI" panose="020B0502040204020203" pitchFamily="34" charset="0"/>
+              <a:ea typeface="Segoe UI" panose="020B0502040204020203" pitchFamily="34" charset="0"/>
+              <a:cs typeface="Segoe UI" panose="020B0502040204020203" pitchFamily="34" charset="0"/>
+            </a:endParaRPr>
+          </a:p>
+        </p:txBody>
+      </p:sp>
+      <p:sp>
+        <p:nvSpPr>
+          <p:cNvPr id="8" name="Arrondir un rectangle avec un coin diagonal 7"/>
+          <p:cNvSpPr/>
+          <p:nvPr/>
+        </p:nvSpPr>
+        <p:spPr>
+          <a:xfrm>
+            <a:off x="9062537" y="242770"/>
+            <a:ext cx="99717" cy="117475"/>
+          </a:xfrm>
+          <a:prstGeom prst="round2DiagRect">
+            <a:avLst/>
+          </a:prstGeom>
+          <a:solidFill>
+            <a:schemeClr val="bg1">
+              <a:lumMod val="85000"/>
+            </a:schemeClr>
+          </a:solidFill>
+          <a:ln>
+            <a:noFill/>
+          </a:ln>
+        </p:spPr>
+        <p:style>
+          <a:lnRef idx="2">
+            <a:schemeClr val="accent1">
+              <a:shade val="50000"/>
+            </a:schemeClr>
+          </a:lnRef>
+          <a:fillRef idx="1">
+            <a:schemeClr val="accent1"/>
+          </a:fillRef>
+          <a:effectRef idx="0">
+            <a:schemeClr val="accent1"/>
+          </a:effectRef>
+          <a:fontRef idx="minor">
+            <a:schemeClr val="lt1"/>
+          </a:fontRef>
+        </p:style>
+        <p:txBody>
+          <a:bodyPr anchor="ctr"/>
+          <a:lstStyle/>
+          <a:p>
+            <a:pPr algn="ctr">
+              <a:defRPr/>
+            </a:pPr>
+            <a:endParaRPr lang="fr-FR">
+              <a:latin typeface="Segoe UI" panose="020B0502040204020203" pitchFamily="34" charset="0"/>
+              <a:ea typeface="Segoe UI" panose="020B0502040204020203" pitchFamily="34" charset="0"/>
+              <a:cs typeface="Segoe UI" panose="020B0502040204020203" pitchFamily="34" charset="0"/>
+            </a:endParaRPr>
+          </a:p>
+        </p:txBody>
+      </p:sp>
+      <p:sp>
+        <p:nvSpPr>
+          <p:cNvPr id="9" name="Arrondir un rectangle avec un coin diagonal 8"/>
+          <p:cNvSpPr/>
+          <p:nvPr/>
+        </p:nvSpPr>
+        <p:spPr>
+          <a:xfrm>
+            <a:off x="6703015" y="241182"/>
+            <a:ext cx="99717" cy="119062"/>
+          </a:xfrm>
+          <a:prstGeom prst="round2DiagRect">
+            <a:avLst/>
+          </a:prstGeom>
+          <a:solidFill>
+            <a:schemeClr val="bg1">
+              <a:lumMod val="85000"/>
+            </a:schemeClr>
+          </a:solidFill>
+          <a:ln>
+            <a:noFill/>
+          </a:ln>
+        </p:spPr>
+        <p:style>
+          <a:lnRef idx="2">
+            <a:schemeClr val="accent1">
+              <a:shade val="50000"/>
+            </a:schemeClr>
+          </a:lnRef>
+          <a:fillRef idx="1">
+            <a:schemeClr val="accent1"/>
+          </a:fillRef>
+          <a:effectRef idx="0">
+            <a:schemeClr val="accent1"/>
+          </a:effectRef>
+          <a:fontRef idx="minor">
+            <a:schemeClr val="lt1"/>
+          </a:fontRef>
+        </p:style>
+        <p:txBody>
+          <a:bodyPr anchor="ctr"/>
+          <a:lstStyle/>
+          <a:p>
+            <a:pPr algn="ctr">
+              <a:defRPr/>
+            </a:pPr>
+            <a:endParaRPr lang="fr-FR" b="1">
+              <a:latin typeface="Segoe UI" panose="020B0502040204020203" pitchFamily="34" charset="0"/>
+              <a:ea typeface="Segoe UI" panose="020B0502040204020203" pitchFamily="34" charset="0"/>
+              <a:cs typeface="Segoe UI" panose="020B0502040204020203" pitchFamily="34" charset="0"/>
+            </a:endParaRPr>
+          </a:p>
+        </p:txBody>
+      </p:sp>
+      <p:sp>
+        <p:nvSpPr>
+          <p:cNvPr id="10" name="ZoneTexte 9"/>
+          <p:cNvSpPr txBox="1"/>
+          <p:nvPr/>
+        </p:nvSpPr>
+        <p:spPr>
+          <a:xfrm>
+            <a:off x="4581521" y="120885"/>
+            <a:ext cx="1783843" cy="369332"/>
+          </a:xfrm>
+          <a:prstGeom prst="rect">
+            <a:avLst/>
+          </a:prstGeom>
+          <a:noFill/>
+        </p:spPr>
+        <p:txBody>
+          <a:bodyPr wrap="square" rtlCol="0">
+            <a:spAutoFit/>
+          </a:bodyPr>
+          <a:lstStyle/>
+          <a:p>
+            <a:r>
+              <a:rPr lang="fr-FR" b="1" dirty="0" smtClean="0">
+                <a:solidFill>
+                  <a:schemeClr val="bg1">
+                    <a:lumMod val="85000"/>
+                  </a:schemeClr>
+                </a:solidFill>
+                <a:latin typeface="Segoe UI" panose="020B0502040204020203" pitchFamily="34" charset="0"/>
+                <a:ea typeface="Segoe UI" panose="020B0502040204020203" pitchFamily="34" charset="0"/>
+                <a:cs typeface="Segoe UI" panose="020B0502040204020203" pitchFamily="34" charset="0"/>
+              </a:rPr>
+              <a:t>Pré-projet</a:t>
+            </a:r>
+            <a:endParaRPr lang="fr-FR" b="1" dirty="0">
+              <a:solidFill>
+                <a:schemeClr val="bg1">
+                  <a:lumMod val="85000"/>
+                </a:schemeClr>
+              </a:solidFill>
+              <a:latin typeface="Segoe UI" panose="020B0502040204020203" pitchFamily="34" charset="0"/>
+              <a:ea typeface="Segoe UI" panose="020B0502040204020203" pitchFamily="34" charset="0"/>
+              <a:cs typeface="Segoe UI" panose="020B0502040204020203" pitchFamily="34" charset="0"/>
+            </a:endParaRPr>
+          </a:p>
+        </p:txBody>
+      </p:sp>
+      <p:sp>
+        <p:nvSpPr>
+          <p:cNvPr id="11" name="ZoneTexte 10"/>
+          <p:cNvSpPr txBox="1"/>
+          <p:nvPr/>
+        </p:nvSpPr>
+        <p:spPr>
+          <a:xfrm>
+            <a:off x="6784527" y="119616"/>
+            <a:ext cx="1669311" cy="369332"/>
+          </a:xfrm>
+          <a:prstGeom prst="rect">
+            <a:avLst/>
+          </a:prstGeom>
+          <a:noFill/>
+        </p:spPr>
+        <p:txBody>
+          <a:bodyPr wrap="square" rtlCol="0">
+            <a:spAutoFit/>
+          </a:bodyPr>
+          <a:lstStyle/>
+          <a:p>
+            <a:pPr>
+              <a:tabLst>
+                <a:tab pos="177800" algn="l"/>
+              </a:tabLst>
+            </a:pPr>
+            <a:r>
+              <a:rPr lang="fr-FR" b="1" dirty="0" smtClean="0">
+                <a:solidFill>
+                  <a:schemeClr val="bg1">
+                    <a:lumMod val="85000"/>
+                  </a:schemeClr>
+                </a:solidFill>
+                <a:latin typeface="Segoe UI" panose="020B0502040204020203" pitchFamily="34" charset="0"/>
+                <a:ea typeface="Segoe UI" panose="020B0502040204020203" pitchFamily="34" charset="0"/>
+                <a:cs typeface="Segoe UI" panose="020B0502040204020203" pitchFamily="34" charset="0"/>
+              </a:rPr>
+              <a:t>Mise en place</a:t>
+            </a:r>
+            <a:endParaRPr lang="fr-FR" b="1" dirty="0">
+              <a:solidFill>
+                <a:schemeClr val="bg1">
+                  <a:lumMod val="85000"/>
+                </a:schemeClr>
+              </a:solidFill>
+              <a:latin typeface="Segoe UI" panose="020B0502040204020203" pitchFamily="34" charset="0"/>
+              <a:ea typeface="Segoe UI" panose="020B0502040204020203" pitchFamily="34" charset="0"/>
+              <a:cs typeface="Segoe UI" panose="020B0502040204020203" pitchFamily="34" charset="0"/>
+            </a:endParaRPr>
+          </a:p>
+        </p:txBody>
+      </p:sp>
+      <p:sp>
+        <p:nvSpPr>
+          <p:cNvPr id="12" name="ZoneTexte 11"/>
+          <p:cNvSpPr txBox="1"/>
+          <p:nvPr/>
+        </p:nvSpPr>
+        <p:spPr>
+          <a:xfrm>
+            <a:off x="9145245" y="119616"/>
+            <a:ext cx="1801640" cy="369332"/>
+          </a:xfrm>
+          <a:prstGeom prst="rect">
+            <a:avLst/>
+          </a:prstGeom>
+          <a:noFill/>
+        </p:spPr>
+        <p:txBody>
+          <a:bodyPr wrap="square" rtlCol="0">
+            <a:spAutoFit/>
+          </a:bodyPr>
+          <a:lstStyle/>
+          <a:p>
+            <a:r>
+              <a:rPr lang="fr-FR" b="1" dirty="0" smtClean="0">
+                <a:solidFill>
+                  <a:schemeClr val="bg1">
+                    <a:lumMod val="85000"/>
+                  </a:schemeClr>
+                </a:solidFill>
+                <a:latin typeface="Segoe UI" panose="020B0502040204020203" pitchFamily="34" charset="0"/>
+                <a:ea typeface="Segoe UI" panose="020B0502040204020203" pitchFamily="34" charset="0"/>
+                <a:cs typeface="Segoe UI" panose="020B0502040204020203" pitchFamily="34" charset="0"/>
+              </a:rPr>
+              <a:t>Post-projet</a:t>
+            </a:r>
+            <a:endParaRPr lang="fr-FR" b="1" dirty="0">
+              <a:solidFill>
+                <a:schemeClr val="bg1">
+                  <a:lumMod val="85000"/>
+                </a:schemeClr>
+              </a:solidFill>
+              <a:latin typeface="Segoe UI" panose="020B0502040204020203" pitchFamily="34" charset="0"/>
+              <a:ea typeface="Segoe UI" panose="020B0502040204020203" pitchFamily="34" charset="0"/>
+              <a:cs typeface="Segoe UI" panose="020B0502040204020203" pitchFamily="34" charset="0"/>
+            </a:endParaRPr>
+          </a:p>
+        </p:txBody>
+      </p:sp>
+      <p:sp>
+        <p:nvSpPr>
+          <p:cNvPr id="13" name="Pentagone 12"/>
+          <p:cNvSpPr/>
+          <p:nvPr/>
+        </p:nvSpPr>
+        <p:spPr>
+          <a:xfrm>
+            <a:off x="1123617" y="239913"/>
+            <a:ext cx="102968" cy="119062"/>
+          </a:xfrm>
+          <a:prstGeom prst="homePlate">
+            <a:avLst/>
+          </a:prstGeom>
+          <a:solidFill>
+            <a:schemeClr val="bg1"/>
+          </a:solidFill>
+          <a:ln>
+            <a:noFill/>
+          </a:ln>
+        </p:spPr>
+        <p:style>
+          <a:lnRef idx="2">
+            <a:schemeClr val="accent1">
+              <a:shade val="50000"/>
+            </a:schemeClr>
+          </a:lnRef>
+          <a:fillRef idx="1">
+            <a:schemeClr val="accent1"/>
+          </a:fillRef>
+          <a:effectRef idx="0">
+            <a:schemeClr val="accent1"/>
+          </a:effectRef>
+          <a:fontRef idx="minor">
+            <a:schemeClr val="lt1"/>
+          </a:fontRef>
+        </p:style>
+        <p:txBody>
+          <a:bodyPr anchor="ctr"/>
+          <a:lstStyle/>
+          <a:p>
+            <a:pPr algn="ctr">
+              <a:defRPr/>
+            </a:pPr>
+            <a:endParaRPr lang="fr-FR">
+              <a:solidFill>
+                <a:schemeClr val="accent2"/>
+              </a:solidFill>
+              <a:latin typeface="Segoe UI" panose="020B0502040204020203" pitchFamily="34" charset="0"/>
+              <a:ea typeface="Segoe UI" panose="020B0502040204020203" pitchFamily="34" charset="0"/>
+              <a:cs typeface="Segoe UI" panose="020B0502040204020203" pitchFamily="34" charset="0"/>
+            </a:endParaRPr>
+          </a:p>
+        </p:txBody>
+      </p:sp>
+      <p:sp>
+        <p:nvSpPr>
+          <p:cNvPr id="14" name="ZoneTexte 13"/>
+          <p:cNvSpPr txBox="1"/>
+          <p:nvPr/>
+        </p:nvSpPr>
+        <p:spPr>
+          <a:xfrm>
+            <a:off x="1172003" y="114778"/>
+            <a:ext cx="2725527" cy="369332"/>
+          </a:xfrm>
+          <a:prstGeom prst="rect">
+            <a:avLst/>
+          </a:prstGeom>
+          <a:noFill/>
+        </p:spPr>
+        <p:txBody>
+          <a:bodyPr wrap="square" rtlCol="0">
+            <a:spAutoFit/>
+          </a:bodyPr>
+          <a:lstStyle/>
+          <a:p>
+            <a:r>
+              <a:rPr lang="fr-FR" b="1" dirty="0" smtClean="0">
+                <a:solidFill>
+                  <a:schemeClr val="bg1"/>
+                </a:solidFill>
+                <a:latin typeface="Segoe UI" panose="020B0502040204020203" pitchFamily="34" charset="0"/>
+                <a:ea typeface="Segoe UI" panose="020B0502040204020203" pitchFamily="34" charset="0"/>
+                <a:cs typeface="Segoe UI" panose="020B0502040204020203" pitchFamily="34" charset="0"/>
+              </a:rPr>
+              <a:t>Présentation du projet</a:t>
+            </a:r>
+            <a:endParaRPr lang="fr-FR" b="1" dirty="0">
+              <a:solidFill>
+                <a:schemeClr val="bg1"/>
+              </a:solidFill>
+              <a:latin typeface="Segoe UI" panose="020B0502040204020203" pitchFamily="34" charset="0"/>
+              <a:ea typeface="Segoe UI" panose="020B0502040204020203" pitchFamily="34" charset="0"/>
+              <a:cs typeface="Segoe UI" panose="020B0502040204020203" pitchFamily="34" charset="0"/>
+            </a:endParaRPr>
+          </a:p>
+        </p:txBody>
+      </p:sp>
+      <p:sp>
+        <p:nvSpPr>
+          <p:cNvPr id="15" name="Arrondir un rectangle avec un coin diagonal 14"/>
+          <p:cNvSpPr/>
+          <p:nvPr/>
+        </p:nvSpPr>
+        <p:spPr>
+          <a:xfrm>
+            <a:off x="4505977" y="247189"/>
+            <a:ext cx="99717" cy="119062"/>
+          </a:xfrm>
+          <a:prstGeom prst="round2DiagRect">
+            <a:avLst/>
+          </a:prstGeom>
+          <a:solidFill>
+            <a:schemeClr val="bg1">
+              <a:lumMod val="85000"/>
+            </a:schemeClr>
+          </a:solidFill>
+          <a:ln>
+            <a:noFill/>
+          </a:ln>
+        </p:spPr>
+        <p:style>
+          <a:lnRef idx="2">
+            <a:schemeClr val="accent1">
+              <a:shade val="50000"/>
+            </a:schemeClr>
+          </a:lnRef>
+          <a:fillRef idx="1">
+            <a:schemeClr val="accent1"/>
+          </a:fillRef>
+          <a:effectRef idx="0">
+            <a:schemeClr val="accent1"/>
+          </a:effectRef>
+          <a:fontRef idx="minor">
+            <a:schemeClr val="lt1"/>
+          </a:fontRef>
+        </p:style>
+        <p:txBody>
+          <a:bodyPr anchor="ctr"/>
+          <a:lstStyle/>
+          <a:p>
+            <a:pPr algn="ctr">
+              <a:defRPr/>
+            </a:pPr>
+            <a:endParaRPr lang="fr-FR">
+              <a:latin typeface="Segoe UI" panose="020B0502040204020203" pitchFamily="34" charset="0"/>
+              <a:ea typeface="Segoe UI" panose="020B0502040204020203" pitchFamily="34" charset="0"/>
+              <a:cs typeface="Segoe UI" panose="020B0502040204020203" pitchFamily="34" charset="0"/>
+            </a:endParaRPr>
+          </a:p>
+        </p:txBody>
+      </p:sp>
+      <p:sp>
+        <p:nvSpPr>
+          <p:cNvPr id="18" name="Rectangle 17"/>
+          <p:cNvSpPr/>
+          <p:nvPr/>
+        </p:nvSpPr>
+        <p:spPr>
+          <a:xfrm>
+            <a:off x="1797108" y="1732730"/>
+            <a:ext cx="8597784" cy="830997"/>
+          </a:xfrm>
+          <a:prstGeom prst="rect">
+            <a:avLst/>
+          </a:prstGeom>
+        </p:spPr>
+        <p:txBody>
+          <a:bodyPr wrap="square">
+            <a:spAutoFit/>
+          </a:bodyPr>
+          <a:lstStyle/>
+          <a:p>
+            <a:pPr algn="ctr"/>
+            <a:r>
+              <a:rPr lang="fr-FR" sz="2400" b="1" dirty="0" smtClean="0"/>
+              <a:t>Positionnement aléatoire des items</a:t>
+            </a:r>
+            <a:r>
+              <a:rPr lang="fr-FR" sz="2400" dirty="0" smtClean="0"/>
+              <a:t> sur le labyrinthe</a:t>
+            </a:r>
+          </a:p>
+          <a:p>
+            <a:pPr algn="ctr"/>
+            <a:r>
+              <a:rPr lang="fr-FR" sz="2400" b="1" dirty="0" smtClean="0"/>
+              <a:t>15 </a:t>
+            </a:r>
+            <a:r>
+              <a:rPr lang="fr-FR" sz="2400" b="1" dirty="0" err="1" smtClean="0"/>
+              <a:t>sprites</a:t>
+            </a:r>
+            <a:r>
+              <a:rPr lang="fr-FR" sz="2400" b="1" dirty="0" smtClean="0"/>
+              <a:t> de longueur et déplacement du héro de case en case</a:t>
+            </a:r>
+            <a:endParaRPr lang="fr-FR" sz="2400" b="1" dirty="0"/>
+          </a:p>
+        </p:txBody>
+      </p:sp>
+      <p:sp>
+        <p:nvSpPr>
+          <p:cNvPr id="19" name="Titre 1"/>
+          <p:cNvSpPr txBox="1">
+            <a:spLocks/>
+          </p:cNvSpPr>
+          <p:nvPr/>
+        </p:nvSpPr>
+        <p:spPr>
+          <a:xfrm>
+            <a:off x="0" y="568142"/>
+            <a:ext cx="12192000" cy="1325563"/>
+          </a:xfrm>
+          <a:prstGeom prst="rect">
+            <a:avLst/>
+          </a:prstGeom>
+        </p:spPr>
+        <p:txBody>
+          <a:bodyPr vert="horz" lIns="91440" tIns="45720" rIns="91440" bIns="45720" rtlCol="0" anchor="ctr">
+            <a:normAutofit/>
+          </a:bodyPr>
+          <a:lstStyle>
+            <a:lvl1pPr algn="l" defTabSz="914400" rtl="0" eaLnBrk="1" latinLnBrk="0" hangingPunct="1">
+              <a:lnSpc>
+                <a:spcPct val="90000"/>
+              </a:lnSpc>
+              <a:spcBef>
+                <a:spcPct val="0"/>
+              </a:spcBef>
+              <a:buNone/>
+              <a:defRPr sz="4400" kern="1200">
+                <a:solidFill>
+                  <a:schemeClr val="tx1"/>
+                </a:solidFill>
+                <a:latin typeface="+mj-lt"/>
+                <a:ea typeface="+mj-ea"/>
+                <a:cs typeface="+mj-cs"/>
+              </a:defRPr>
+            </a:lvl1pPr>
+          </a:lstStyle>
+          <a:p>
+            <a:pPr algn="ctr"/>
+            <a:r>
+              <a:rPr lang="fr-FR" b="1" dirty="0" smtClean="0">
+                <a:latin typeface="Akzidenz-Grotesk BQ" pitchFamily="50" charset="0"/>
+              </a:rPr>
+              <a:t>Fonctionnalités attendues</a:t>
+            </a:r>
+            <a:endParaRPr lang="fr-FR" b="1" dirty="0">
+              <a:latin typeface="Akzidenz-Grotesk BQ" pitchFamily="50" charset="0"/>
+            </a:endParaRPr>
+          </a:p>
+        </p:txBody>
+      </p:sp>
+    </p:spTree>
+    <p:extLst>
+      <p:ext uri="{BB962C8B-B14F-4D97-AF65-F5344CB8AC3E}">
+        <p14:creationId xmlns:p14="http://schemas.microsoft.com/office/powerpoint/2010/main" val="3826097902"/>
+      </p:ext>
+    </p:extLst>
+  </p:cSld>
+  <p:clrMapOvr>
+    <a:masterClrMapping/>
+  </p:clrMapOvr>
+  <p:timing>
+    <p:tnLst>
+      <p:par>
+        <p:cTn id="1" dur="indefinite" restart="never" nodeType="tmRoot">
+          <p:childTnLst>
+            <p:seq concurrent="1" nextAc="seek">
+              <p:cTn id="2" dur="indefinite" nodeType="mainSeq">
+                <p:childTnLst>
+                  <p:par>
+                    <p:cTn id="3" fill="hold">
+                      <p:stCondLst>
+                        <p:cond delay="indefinite"/>
+                        <p:cond evt="onBegin" delay="0">
+                          <p:tn val="2"/>
+                        </p:cond>
+                      </p:stCondLst>
+                      <p:childTnLst>
+                        <p:par>
+                          <p:cTn id="4" fill="hold">
+                            <p:stCondLst>
+                              <p:cond delay="0"/>
+                            </p:stCondLst>
+                            <p:childTnLst>
+                              <p:par>
+                                <p:cTn id="5" presetID="10" presetClass="entr" presetSubtype="0" fill="hold" nodeType="withEffect">
+                                  <p:stCondLst>
+                                    <p:cond delay="0"/>
+                                  </p:stCondLst>
+                                  <p:childTnLst>
+                                    <p:set>
+                                      <p:cBhvr>
+                                        <p:cTn id="6" dur="1" fill="hold">
+                                          <p:stCondLst>
+                                            <p:cond delay="0"/>
+                                          </p:stCondLst>
+                                        </p:cTn>
+                                        <p:tgtEl>
+                                          <p:spTgt spid="5"/>
+                                        </p:tgtEl>
+                                        <p:attrNameLst>
+                                          <p:attrName>style.visibility</p:attrName>
+                                        </p:attrNameLst>
+                                      </p:cBhvr>
+                                      <p:to>
+                                        <p:strVal val="visible"/>
+                                      </p:to>
+                                    </p:set>
+                                    <p:animEffect transition="in" filter="fade">
+                                      <p:cBhvr>
+                                        <p:cTn id="7" dur="500"/>
+                                        <p:tgtEl>
+                                          <p:spTgt spid="5"/>
+                                        </p:tgtEl>
+                                      </p:cBhvr>
+                                    </p:animEffect>
+                                  </p:childTnLst>
+                                </p:cTn>
+                              </p:par>
+                              <p:par>
+                                <p:cTn id="8" presetID="10" presetClass="entr" presetSubtype="0" fill="hold" grpId="0" nodeType="withEffect">
+                                  <p:stCondLst>
+                                    <p:cond delay="0"/>
+                                  </p:stCondLst>
+                                  <p:childTnLst>
+                                    <p:set>
+                                      <p:cBhvr>
+                                        <p:cTn id="9" dur="1" fill="hold">
+                                          <p:stCondLst>
+                                            <p:cond delay="0"/>
+                                          </p:stCondLst>
+                                        </p:cTn>
+                                        <p:tgtEl>
+                                          <p:spTgt spid="18"/>
+                                        </p:tgtEl>
+                                        <p:attrNameLst>
+                                          <p:attrName>style.visibility</p:attrName>
+                                        </p:attrNameLst>
+                                      </p:cBhvr>
+                                      <p:to>
+                                        <p:strVal val="visible"/>
+                                      </p:to>
+                                    </p:set>
+                                    <p:animEffect transition="in" filter="fade">
+                                      <p:cBhvr>
+                                        <p:cTn id="10" dur="500"/>
+                                        <p:tgtEl>
+                                          <p:spTgt spid="18"/>
+                                        </p:tgtEl>
+                                      </p:cBhvr>
+                                    </p:animEffect>
+                                  </p:childTnLst>
+                                </p:cTn>
+                              </p:par>
+                            </p:childTnLst>
+                          </p:cTn>
+                        </p:par>
+                      </p:childTnLst>
+                    </p:cTn>
+                  </p:par>
+                  <p:par>
+                    <p:cTn id="11" fill="hold">
+                      <p:stCondLst>
+                        <p:cond delay="indefinite"/>
+                      </p:stCondLst>
+                      <p:childTnLst>
+                        <p:par>
+                          <p:cTn id="12" fill="hold">
+                            <p:stCondLst>
+                              <p:cond delay="0"/>
+                            </p:stCondLst>
+                            <p:childTnLst>
+                              <p:par>
+                                <p:cTn id="13" presetID="10" presetClass="exit" presetSubtype="0" fill="hold" nodeType="clickEffect">
+                                  <p:stCondLst>
+                                    <p:cond delay="0"/>
+                                  </p:stCondLst>
+                                  <p:childTnLst>
+                                    <p:animEffect transition="out" filter="fade">
+                                      <p:cBhvr>
+                                        <p:cTn id="14" dur="500"/>
+                                        <p:tgtEl>
+                                          <p:spTgt spid="5"/>
+                                        </p:tgtEl>
+                                      </p:cBhvr>
+                                    </p:animEffect>
+                                    <p:set>
+                                      <p:cBhvr>
+                                        <p:cTn id="15" dur="1" fill="hold">
+                                          <p:stCondLst>
+                                            <p:cond delay="499"/>
+                                          </p:stCondLst>
+                                        </p:cTn>
+                                        <p:tgtEl>
+                                          <p:spTgt spid="5"/>
+                                        </p:tgtEl>
+                                        <p:attrNameLst>
+                                          <p:attrName>style.visibility</p:attrName>
+                                        </p:attrNameLst>
+                                      </p:cBhvr>
+                                      <p:to>
+                                        <p:strVal val="hidden"/>
+                                      </p:to>
+                                    </p:set>
+                                  </p:childTnLst>
+                                </p:cTn>
+                              </p:par>
+                              <p:par>
+                                <p:cTn id="16" presetID="10" presetClass="exit" presetSubtype="0" fill="hold" grpId="1" nodeType="withEffect">
+                                  <p:stCondLst>
+                                    <p:cond delay="0"/>
+                                  </p:stCondLst>
+                                  <p:childTnLst>
+                                    <p:animEffect transition="out" filter="fade">
+                                      <p:cBhvr>
+                                        <p:cTn id="17" dur="500"/>
+                                        <p:tgtEl>
+                                          <p:spTgt spid="18"/>
+                                        </p:tgtEl>
+                                      </p:cBhvr>
+                                    </p:animEffect>
+                                    <p:set>
+                                      <p:cBhvr>
+                                        <p:cTn id="18" dur="1" fill="hold">
+                                          <p:stCondLst>
+                                            <p:cond delay="499"/>
+                                          </p:stCondLst>
+                                        </p:cTn>
+                                        <p:tgtEl>
+                                          <p:spTgt spid="18"/>
+                                        </p:tgtEl>
+                                        <p:attrNameLst>
+                                          <p:attrName>style.visibility</p:attrName>
+                                        </p:attrNameLst>
+                                      </p:cBhvr>
+                                      <p:to>
+                                        <p:strVal val="hidden"/>
+                                      </p:to>
+                                    </p:set>
+                                  </p:childTnLst>
+                                </p:cTn>
+                              </p:par>
+                            </p:childTnLst>
+                          </p:cTn>
+                        </p:par>
+                      </p:childTnLst>
+                    </p:cTn>
+                  </p:par>
+                </p:childTnLst>
+              </p:cTn>
+              <p:prevCondLst>
+                <p:cond evt="onPrev" delay="0">
+                  <p:tgtEl>
+                    <p:sldTgt/>
+                  </p:tgtEl>
+                </p:cond>
+              </p:prevCondLst>
+              <p:nextCondLst>
+                <p:cond evt="onNext" delay="0">
+                  <p:tgtEl>
+                    <p:sldTgt/>
+                  </p:tgtEl>
+                </p:cond>
+              </p:nextCondLst>
+            </p:seq>
+          </p:childTnLst>
+        </p:cTn>
+      </p:par>
+    </p:tnLst>
+    <p:bldLst>
+      <p:bldP spid="18" grpId="0"/>
+      <p:bldP spid="18" grpId="1"/>
     </p:bldLst>
   </p:timing>
 </p:sld>
@@ -19596,7 +20010,7 @@
         <p:spPr>
           <a:xfrm>
             <a:off x="838199" y="3622388"/>
-            <a:ext cx="10108685" cy="1815882"/>
+            <a:ext cx="10515601" cy="1815882"/>
           </a:xfrm>
           <a:prstGeom prst="rect">
             <a:avLst/>
@@ -19655,7 +20069,15 @@
             </a:r>
             <a:r>
               <a:rPr lang="fr-FR" sz="2800" dirty="0" smtClean="0"/>
-              <a:t> X Sierra. </a:t>
+              <a:t> X </a:t>
+            </a:r>
+            <a:r>
+              <a:rPr lang="fr-FR" sz="2800" dirty="0" smtClean="0"/>
+              <a:t>High Sierra</a:t>
+            </a:r>
+            <a:r>
+              <a:rPr lang="fr-FR" sz="2800" dirty="0" smtClean="0"/>
+              <a:t>. </a:t>
             </a:r>
             <a:r>
               <a:rPr lang="fr-FR" sz="2800" dirty="0" err="1" smtClean="0"/>
@@ -19857,7 +20279,11 @@
             </a:pPr>
             <a:r>
               <a:rPr lang="fr-FR" sz="2800" dirty="0" smtClean="0"/>
-              <a:t>Structurer mes dossiers et fichiers de projet ;</a:t>
+              <a:t>Structurer </a:t>
+            </a:r>
+            <a:r>
+              <a:rPr lang="fr-FR" sz="2800" dirty="0" smtClean="0"/>
+              <a:t>les classes et leurs interactions ;</a:t>
             </a:r>
           </a:p>
           <a:p>
@@ -19867,8 +20293,21 @@
             </a:pPr>
             <a:r>
               <a:rPr lang="fr-FR" sz="2800" dirty="0" smtClean="0"/>
-              <a:t>Structurer les classes et leurs interactions ;</a:t>
-            </a:r>
+              <a:t>Comment gérer les objets et </a:t>
+            </a:r>
+            <a:r>
+              <a:rPr lang="fr-FR" sz="2800" dirty="0" smtClean="0"/>
+              <a:t>l’inventaire</a:t>
+            </a:r>
+            <a:r>
+              <a:rPr lang="fr-FR" sz="2800" dirty="0"/>
+              <a:t> </a:t>
+            </a:r>
+            <a:r>
+              <a:rPr lang="fr-FR" sz="2800" dirty="0"/>
+              <a:t>;</a:t>
+            </a:r>
+            <a:endParaRPr lang="fr-FR" sz="2800" dirty="0" smtClean="0"/>
           </a:p>
           <a:p>
             <a:pPr marL="285750" indent="-285750">
@@ -19876,9 +20315,14 @@
               <a:buChar char="•"/>
             </a:pPr>
             <a:r>
+              <a:rPr lang="fr-FR" sz="2800" dirty="0"/>
+              <a:t>Structurer mes dossiers et fichiers de </a:t>
+            </a:r>
+            <a:r>
               <a:rPr lang="fr-FR" sz="2800" dirty="0" smtClean="0"/>
-              <a:t>Comment gérer les objets et l’inventaire.</a:t>
-            </a:r>
+              <a:t>projet.</a:t>
+            </a:r>
+            <a:endParaRPr lang="fr-FR" sz="2800" dirty="0"/>
           </a:p>
         </p:txBody>
       </p:sp>
@@ -20535,7 +20979,15 @@
             </a:r>
             <a:r>
               <a:rPr lang="fr-FR" sz="2800" dirty="0" smtClean="0"/>
-              <a:t> X Sierra dans un environnement virtuel via </a:t>
+              <a:t> X </a:t>
+            </a:r>
+            <a:r>
+              <a:rPr lang="fr-FR" sz="2800" dirty="0" smtClean="0"/>
+              <a:t>High Sierra </a:t>
+            </a:r>
+            <a:r>
+              <a:rPr lang="fr-FR" sz="2800" dirty="0" smtClean="0"/>
+              <a:t>dans un environnement virtuel via </a:t>
             </a:r>
             <a:r>
               <a:rPr lang="fr-FR" sz="2800" b="1" dirty="0" err="1" smtClean="0"/>
@@ -21110,7 +21562,15 @@
             </a:r>
             <a:r>
               <a:rPr lang="fr-FR" sz="2800" dirty="0" smtClean="0"/>
-              <a:t> X Sierra dans un environnement virtuel via </a:t>
+              <a:t> X </a:t>
+            </a:r>
+            <a:r>
+              <a:rPr lang="fr-FR" sz="2800" dirty="0" smtClean="0"/>
+              <a:t>High Sierra </a:t>
+            </a:r>
+            <a:r>
+              <a:rPr lang="fr-FR" sz="2800" dirty="0" smtClean="0"/>
+              <a:t>dans un environnement virtuel via </a:t>
             </a:r>
             <a:r>
               <a:rPr lang="fr-FR" sz="2800" b="1" dirty="0" err="1" smtClean="0"/>
